--- a/Meetings/Presentations/2019-03-16 APIs Everywhere.pptx
+++ b/Meetings/Presentations/2019-03-16 APIs Everywhere.pptx
@@ -1082,10 +1082,10 @@
             <a:defRPr b="1"/>
           </a:pPr>
           <a:r>
-            <a:rPr lang="en-US" baseline="0"/>
+            <a:rPr lang="en-US" baseline="0" dirty="0"/>
             <a:t>Cons</a:t>
           </a:r>
-          <a:endParaRPr lang="en-US"/>
+          <a:endParaRPr lang="en-US" dirty="0"/>
         </a:p>
       </dgm:t>
     </dgm:pt>
@@ -1156,10 +1156,10 @@
         <a:lstStyle/>
         <a:p>
           <a:r>
-            <a:rPr lang="en-US" baseline="0"/>
+            <a:rPr lang="en-US" baseline="0" dirty="0"/>
             <a:t>Administrative tasks</a:t>
           </a:r>
-          <a:endParaRPr lang="en-US"/>
+          <a:endParaRPr lang="en-US" dirty="0"/>
         </a:p>
       </dgm:t>
     </dgm:pt>
@@ -1193,10 +1193,10 @@
         <a:lstStyle/>
         <a:p>
           <a:r>
-            <a:rPr lang="en-US" baseline="0"/>
+            <a:rPr lang="en-US" baseline="0" dirty="0"/>
             <a:t>Dynamic features</a:t>
           </a:r>
-          <a:endParaRPr lang="en-US"/>
+          <a:endParaRPr lang="en-US" dirty="0"/>
         </a:p>
       </dgm:t>
     </dgm:pt>
@@ -1716,10 +1716,10 @@
             <a:defRPr b="1"/>
           </a:pPr>
           <a:r>
-            <a:rPr lang="en-US" sz="3600" kern="1200" baseline="0"/>
+            <a:rPr lang="en-US" sz="3600" kern="1200" baseline="0" dirty="0"/>
             <a:t>Cons</a:t>
           </a:r>
-          <a:endParaRPr lang="en-US" sz="3600" kern="1200"/>
+          <a:endParaRPr lang="en-US" sz="3600" kern="1200" dirty="0"/>
         </a:p>
       </dsp:txBody>
       <dsp:txXfrm>
@@ -1796,10 +1796,10 @@
             <a:buNone/>
           </a:pPr>
           <a:r>
-            <a:rPr lang="en-US" sz="1700" kern="1200" baseline="0"/>
+            <a:rPr lang="en-US" sz="1700" kern="1200" baseline="0" dirty="0"/>
             <a:t>Administrative tasks</a:t>
           </a:r>
-          <a:endParaRPr lang="en-US" sz="1700" kern="1200"/>
+          <a:endParaRPr lang="en-US" sz="1700" kern="1200" dirty="0"/>
         </a:p>
         <a:p>
           <a:pPr marL="0" lvl="0" indent="0" algn="ctr" defTabSz="755650">
@@ -1815,10 +1815,10 @@
             <a:buNone/>
           </a:pPr>
           <a:r>
-            <a:rPr lang="en-US" sz="1700" kern="1200" baseline="0"/>
+            <a:rPr lang="en-US" sz="1700" kern="1200" baseline="0" dirty="0"/>
             <a:t>Dynamic features</a:t>
           </a:r>
-          <a:endParaRPr lang="en-US" sz="1700" kern="1200"/>
+          <a:endParaRPr lang="en-US" sz="1700" kern="1200" dirty="0"/>
         </a:p>
       </dsp:txBody>
       <dsp:txXfrm>
@@ -9708,12 +9708,8 @@
           </a:p>
           <a:p>
             <a:r>
-              <a:rPr lang="en-US" sz="1800"/>
-              <a:t>Manage conten</a:t>
-            </a:r>
-            <a:r>
               <a:rPr lang="en-US" sz="1800" dirty="0"/>
-              <a:t>t</a:t>
+              <a:t>Manage content</a:t>
             </a:r>
           </a:p>
           <a:p>
@@ -9731,6 +9727,235 @@
   <p:clrMapOvr>
     <a:masterClrMapping/>
   </p:clrMapOvr>
+  <p:timing>
+    <p:tnLst>
+      <p:par>
+        <p:cTn id="1" dur="indefinite" restart="never" nodeType="tmRoot">
+          <p:childTnLst>
+            <p:seq concurrent="1" nextAc="seek">
+              <p:cTn id="2" dur="indefinite" nodeType="mainSeq">
+                <p:childTnLst>
+                  <p:par>
+                    <p:cTn id="3" fill="hold">
+                      <p:stCondLst>
+                        <p:cond delay="indefinite"/>
+                      </p:stCondLst>
+                      <p:childTnLst>
+                        <p:par>
+                          <p:cTn id="4" fill="hold">
+                            <p:stCondLst>
+                              <p:cond delay="0"/>
+                            </p:stCondLst>
+                            <p:childTnLst>
+                              <p:par>
+                                <p:cTn id="5" presetID="1" presetClass="entr" presetSubtype="0" fill="hold" grpId="0" nodeType="clickEffect">
+                                  <p:stCondLst>
+                                    <p:cond delay="0"/>
+                                  </p:stCondLst>
+                                  <p:childTnLst>
+                                    <p:set>
+                                      <p:cBhvr>
+                                        <p:cTn id="6" dur="1" fill="hold">
+                                          <p:stCondLst>
+                                            <p:cond delay="0"/>
+                                          </p:stCondLst>
+                                        </p:cTn>
+                                        <p:tgtEl>
+                                          <p:spTgt spid="3">
+                                            <p:txEl>
+                                              <p:pRg st="0" end="0"/>
+                                            </p:txEl>
+                                          </p:spTgt>
+                                        </p:tgtEl>
+                                        <p:attrNameLst>
+                                          <p:attrName>style.visibility</p:attrName>
+                                        </p:attrNameLst>
+                                      </p:cBhvr>
+                                      <p:to>
+                                        <p:strVal val="visible"/>
+                                      </p:to>
+                                    </p:set>
+                                  </p:childTnLst>
+                                </p:cTn>
+                              </p:par>
+                            </p:childTnLst>
+                          </p:cTn>
+                        </p:par>
+                      </p:childTnLst>
+                    </p:cTn>
+                  </p:par>
+                  <p:par>
+                    <p:cTn id="7" fill="hold">
+                      <p:stCondLst>
+                        <p:cond delay="indefinite"/>
+                      </p:stCondLst>
+                      <p:childTnLst>
+                        <p:par>
+                          <p:cTn id="8" fill="hold">
+                            <p:stCondLst>
+                              <p:cond delay="0"/>
+                            </p:stCondLst>
+                            <p:childTnLst>
+                              <p:par>
+                                <p:cTn id="9" presetID="1" presetClass="entr" presetSubtype="0" fill="hold" grpId="0" nodeType="clickEffect">
+                                  <p:stCondLst>
+                                    <p:cond delay="0"/>
+                                  </p:stCondLst>
+                                  <p:childTnLst>
+                                    <p:set>
+                                      <p:cBhvr>
+                                        <p:cTn id="10" dur="1" fill="hold">
+                                          <p:stCondLst>
+                                            <p:cond delay="0"/>
+                                          </p:stCondLst>
+                                        </p:cTn>
+                                        <p:tgtEl>
+                                          <p:spTgt spid="3">
+                                            <p:txEl>
+                                              <p:pRg st="1" end="1"/>
+                                            </p:txEl>
+                                          </p:spTgt>
+                                        </p:tgtEl>
+                                        <p:attrNameLst>
+                                          <p:attrName>style.visibility</p:attrName>
+                                        </p:attrNameLst>
+                                      </p:cBhvr>
+                                      <p:to>
+                                        <p:strVal val="visible"/>
+                                      </p:to>
+                                    </p:set>
+                                  </p:childTnLst>
+                                </p:cTn>
+                              </p:par>
+                            </p:childTnLst>
+                          </p:cTn>
+                        </p:par>
+                      </p:childTnLst>
+                    </p:cTn>
+                  </p:par>
+                  <p:par>
+                    <p:cTn id="11" fill="hold">
+                      <p:stCondLst>
+                        <p:cond delay="indefinite"/>
+                      </p:stCondLst>
+                      <p:childTnLst>
+                        <p:par>
+                          <p:cTn id="12" fill="hold">
+                            <p:stCondLst>
+                              <p:cond delay="0"/>
+                            </p:stCondLst>
+                            <p:childTnLst>
+                              <p:par>
+                                <p:cTn id="13" presetID="1" presetClass="entr" presetSubtype="0" fill="hold" grpId="0" nodeType="clickEffect">
+                                  <p:stCondLst>
+                                    <p:cond delay="0"/>
+                                  </p:stCondLst>
+                                  <p:childTnLst>
+                                    <p:set>
+                                      <p:cBhvr>
+                                        <p:cTn id="14" dur="1" fill="hold">
+                                          <p:stCondLst>
+                                            <p:cond delay="0"/>
+                                          </p:stCondLst>
+                                        </p:cTn>
+                                        <p:tgtEl>
+                                          <p:spTgt spid="3">
+                                            <p:txEl>
+                                              <p:pRg st="2" end="2"/>
+                                            </p:txEl>
+                                          </p:spTgt>
+                                        </p:tgtEl>
+                                        <p:attrNameLst>
+                                          <p:attrName>style.visibility</p:attrName>
+                                        </p:attrNameLst>
+                                      </p:cBhvr>
+                                      <p:to>
+                                        <p:strVal val="visible"/>
+                                      </p:to>
+                                    </p:set>
+                                  </p:childTnLst>
+                                </p:cTn>
+                              </p:par>
+                            </p:childTnLst>
+                          </p:cTn>
+                        </p:par>
+                      </p:childTnLst>
+                    </p:cTn>
+                  </p:par>
+                  <p:par>
+                    <p:cTn id="15" fill="hold">
+                      <p:stCondLst>
+                        <p:cond delay="indefinite"/>
+                      </p:stCondLst>
+                      <p:childTnLst>
+                        <p:par>
+                          <p:cTn id="16" fill="hold">
+                            <p:stCondLst>
+                              <p:cond delay="0"/>
+                            </p:stCondLst>
+                            <p:childTnLst>
+                              <p:par>
+                                <p:cTn id="17" presetID="1" presetClass="entr" presetSubtype="0" fill="hold" grpId="0" nodeType="clickEffect">
+                                  <p:stCondLst>
+                                    <p:cond delay="0"/>
+                                  </p:stCondLst>
+                                  <p:childTnLst>
+                                    <p:set>
+                                      <p:cBhvr>
+                                        <p:cTn id="18" dur="1" fill="hold">
+                                          <p:stCondLst>
+                                            <p:cond delay="0"/>
+                                          </p:stCondLst>
+                                        </p:cTn>
+                                        <p:tgtEl>
+                                          <p:spTgt spid="3">
+                                            <p:txEl>
+                                              <p:pRg st="3" end="3"/>
+                                            </p:txEl>
+                                          </p:spTgt>
+                                        </p:tgtEl>
+                                        <p:attrNameLst>
+                                          <p:attrName>style.visibility</p:attrName>
+                                        </p:attrNameLst>
+                                      </p:cBhvr>
+                                      <p:to>
+                                        <p:strVal val="visible"/>
+                                      </p:to>
+                                    </p:set>
+                                  </p:childTnLst>
+                                </p:cTn>
+                              </p:par>
+                            </p:childTnLst>
+                          </p:cTn>
+                        </p:par>
+                      </p:childTnLst>
+                    </p:cTn>
+                  </p:par>
+                </p:childTnLst>
+              </p:cTn>
+              <p:prevCondLst>
+                <p:cond evt="onPrev" delay="0">
+                  <p:tgtEl>
+                    <p:sldTgt/>
+                  </p:tgtEl>
+                </p:cond>
+              </p:prevCondLst>
+              <p:nextCondLst>
+                <p:cond evt="onNext" delay="0">
+                  <p:tgtEl>
+                    <p:sldTgt/>
+                  </p:tgtEl>
+                </p:cond>
+              </p:nextCondLst>
+            </p:seq>
+          </p:childTnLst>
+        </p:cTn>
+      </p:par>
+    </p:tnLst>
+    <p:bldLst>
+      <p:bldP spid="3" grpId="0" build="p"/>
+    </p:bldLst>
+  </p:timing>
 </p:sld>
 </file>
 
@@ -9864,6 +10089,235 @@
   <p:clrMapOvr>
     <a:masterClrMapping/>
   </p:clrMapOvr>
+  <p:timing>
+    <p:tnLst>
+      <p:par>
+        <p:cTn id="1" dur="indefinite" restart="never" nodeType="tmRoot">
+          <p:childTnLst>
+            <p:seq concurrent="1" nextAc="seek">
+              <p:cTn id="2" dur="indefinite" nodeType="mainSeq">
+                <p:childTnLst>
+                  <p:par>
+                    <p:cTn id="3" fill="hold">
+                      <p:stCondLst>
+                        <p:cond delay="indefinite"/>
+                      </p:stCondLst>
+                      <p:childTnLst>
+                        <p:par>
+                          <p:cTn id="4" fill="hold">
+                            <p:stCondLst>
+                              <p:cond delay="0"/>
+                            </p:stCondLst>
+                            <p:childTnLst>
+                              <p:par>
+                                <p:cTn id="5" presetID="1" presetClass="entr" presetSubtype="0" fill="hold" grpId="0" nodeType="clickEffect">
+                                  <p:stCondLst>
+                                    <p:cond delay="0"/>
+                                  </p:stCondLst>
+                                  <p:childTnLst>
+                                    <p:set>
+                                      <p:cBhvr>
+                                        <p:cTn id="6" dur="1" fill="hold">
+                                          <p:stCondLst>
+                                            <p:cond delay="0"/>
+                                          </p:stCondLst>
+                                        </p:cTn>
+                                        <p:tgtEl>
+                                          <p:spTgt spid="3">
+                                            <p:txEl>
+                                              <p:pRg st="0" end="0"/>
+                                            </p:txEl>
+                                          </p:spTgt>
+                                        </p:tgtEl>
+                                        <p:attrNameLst>
+                                          <p:attrName>style.visibility</p:attrName>
+                                        </p:attrNameLst>
+                                      </p:cBhvr>
+                                      <p:to>
+                                        <p:strVal val="visible"/>
+                                      </p:to>
+                                    </p:set>
+                                  </p:childTnLst>
+                                </p:cTn>
+                              </p:par>
+                            </p:childTnLst>
+                          </p:cTn>
+                        </p:par>
+                      </p:childTnLst>
+                    </p:cTn>
+                  </p:par>
+                  <p:par>
+                    <p:cTn id="7" fill="hold">
+                      <p:stCondLst>
+                        <p:cond delay="indefinite"/>
+                      </p:stCondLst>
+                      <p:childTnLst>
+                        <p:par>
+                          <p:cTn id="8" fill="hold">
+                            <p:stCondLst>
+                              <p:cond delay="0"/>
+                            </p:stCondLst>
+                            <p:childTnLst>
+                              <p:par>
+                                <p:cTn id="9" presetID="1" presetClass="entr" presetSubtype="0" fill="hold" grpId="0" nodeType="clickEffect">
+                                  <p:stCondLst>
+                                    <p:cond delay="0"/>
+                                  </p:stCondLst>
+                                  <p:childTnLst>
+                                    <p:set>
+                                      <p:cBhvr>
+                                        <p:cTn id="10" dur="1" fill="hold">
+                                          <p:stCondLst>
+                                            <p:cond delay="0"/>
+                                          </p:stCondLst>
+                                        </p:cTn>
+                                        <p:tgtEl>
+                                          <p:spTgt spid="3">
+                                            <p:txEl>
+                                              <p:pRg st="1" end="1"/>
+                                            </p:txEl>
+                                          </p:spTgt>
+                                        </p:tgtEl>
+                                        <p:attrNameLst>
+                                          <p:attrName>style.visibility</p:attrName>
+                                        </p:attrNameLst>
+                                      </p:cBhvr>
+                                      <p:to>
+                                        <p:strVal val="visible"/>
+                                      </p:to>
+                                    </p:set>
+                                  </p:childTnLst>
+                                </p:cTn>
+                              </p:par>
+                            </p:childTnLst>
+                          </p:cTn>
+                        </p:par>
+                      </p:childTnLst>
+                    </p:cTn>
+                  </p:par>
+                  <p:par>
+                    <p:cTn id="11" fill="hold">
+                      <p:stCondLst>
+                        <p:cond delay="indefinite"/>
+                      </p:stCondLst>
+                      <p:childTnLst>
+                        <p:par>
+                          <p:cTn id="12" fill="hold">
+                            <p:stCondLst>
+                              <p:cond delay="0"/>
+                            </p:stCondLst>
+                            <p:childTnLst>
+                              <p:par>
+                                <p:cTn id="13" presetID="1" presetClass="entr" presetSubtype="0" fill="hold" grpId="0" nodeType="clickEffect">
+                                  <p:stCondLst>
+                                    <p:cond delay="0"/>
+                                  </p:stCondLst>
+                                  <p:childTnLst>
+                                    <p:set>
+                                      <p:cBhvr>
+                                        <p:cTn id="14" dur="1" fill="hold">
+                                          <p:stCondLst>
+                                            <p:cond delay="0"/>
+                                          </p:stCondLst>
+                                        </p:cTn>
+                                        <p:tgtEl>
+                                          <p:spTgt spid="3">
+                                            <p:txEl>
+                                              <p:pRg st="2" end="2"/>
+                                            </p:txEl>
+                                          </p:spTgt>
+                                        </p:tgtEl>
+                                        <p:attrNameLst>
+                                          <p:attrName>style.visibility</p:attrName>
+                                        </p:attrNameLst>
+                                      </p:cBhvr>
+                                      <p:to>
+                                        <p:strVal val="visible"/>
+                                      </p:to>
+                                    </p:set>
+                                  </p:childTnLst>
+                                </p:cTn>
+                              </p:par>
+                            </p:childTnLst>
+                          </p:cTn>
+                        </p:par>
+                      </p:childTnLst>
+                    </p:cTn>
+                  </p:par>
+                  <p:par>
+                    <p:cTn id="15" fill="hold">
+                      <p:stCondLst>
+                        <p:cond delay="indefinite"/>
+                      </p:stCondLst>
+                      <p:childTnLst>
+                        <p:par>
+                          <p:cTn id="16" fill="hold">
+                            <p:stCondLst>
+                              <p:cond delay="0"/>
+                            </p:stCondLst>
+                            <p:childTnLst>
+                              <p:par>
+                                <p:cTn id="17" presetID="1" presetClass="entr" presetSubtype="0" fill="hold" grpId="0" nodeType="clickEffect">
+                                  <p:stCondLst>
+                                    <p:cond delay="0"/>
+                                  </p:stCondLst>
+                                  <p:childTnLst>
+                                    <p:set>
+                                      <p:cBhvr>
+                                        <p:cTn id="18" dur="1" fill="hold">
+                                          <p:stCondLst>
+                                            <p:cond delay="0"/>
+                                          </p:stCondLst>
+                                        </p:cTn>
+                                        <p:tgtEl>
+                                          <p:spTgt spid="3">
+                                            <p:txEl>
+                                              <p:pRg st="3" end="3"/>
+                                            </p:txEl>
+                                          </p:spTgt>
+                                        </p:tgtEl>
+                                        <p:attrNameLst>
+                                          <p:attrName>style.visibility</p:attrName>
+                                        </p:attrNameLst>
+                                      </p:cBhvr>
+                                      <p:to>
+                                        <p:strVal val="visible"/>
+                                      </p:to>
+                                    </p:set>
+                                  </p:childTnLst>
+                                </p:cTn>
+                              </p:par>
+                            </p:childTnLst>
+                          </p:cTn>
+                        </p:par>
+                      </p:childTnLst>
+                    </p:cTn>
+                  </p:par>
+                </p:childTnLst>
+              </p:cTn>
+              <p:prevCondLst>
+                <p:cond evt="onPrev" delay="0">
+                  <p:tgtEl>
+                    <p:sldTgt/>
+                  </p:tgtEl>
+                </p:cond>
+              </p:prevCondLst>
+              <p:nextCondLst>
+                <p:cond evt="onNext" delay="0">
+                  <p:tgtEl>
+                    <p:sldTgt/>
+                  </p:tgtEl>
+                </p:cond>
+              </p:nextCondLst>
+            </p:seq>
+          </p:childTnLst>
+        </p:cTn>
+      </p:par>
+    </p:tnLst>
+    <p:bldLst>
+      <p:bldP spid="3" grpId="0" build="p"/>
+    </p:bldLst>
+  </p:timing>
 </p:sld>
 </file>
 
@@ -10474,6 +10928,413 @@
   <p:clrMapOvr>
     <a:masterClrMapping/>
   </p:clrMapOvr>
+  <p:timing>
+    <p:tnLst>
+      <p:par>
+        <p:cTn id="1" dur="indefinite" restart="never" nodeType="tmRoot">
+          <p:childTnLst>
+            <p:seq concurrent="1" nextAc="seek">
+              <p:cTn id="2" dur="indefinite" nodeType="mainSeq">
+                <p:childTnLst>
+                  <p:par>
+                    <p:cTn id="3" fill="hold">
+                      <p:stCondLst>
+                        <p:cond delay="indefinite"/>
+                      </p:stCondLst>
+                      <p:childTnLst>
+                        <p:par>
+                          <p:cTn id="4" fill="hold">
+                            <p:stCondLst>
+                              <p:cond delay="0"/>
+                            </p:stCondLst>
+                            <p:childTnLst>
+                              <p:par>
+                                <p:cTn id="5" presetID="1" presetClass="entr" presetSubtype="0" fill="hold" grpId="0" nodeType="clickEffect">
+                                  <p:stCondLst>
+                                    <p:cond delay="0"/>
+                                  </p:stCondLst>
+                                  <p:childTnLst>
+                                    <p:set>
+                                      <p:cBhvr>
+                                        <p:cTn id="6" dur="1" fill="hold">
+                                          <p:stCondLst>
+                                            <p:cond delay="0"/>
+                                          </p:stCondLst>
+                                        </p:cTn>
+                                        <p:tgtEl>
+                                          <p:spTgt spid="23">
+                                            <p:txEl>
+                                              <p:pRg st="0" end="0"/>
+                                            </p:txEl>
+                                          </p:spTgt>
+                                        </p:tgtEl>
+                                        <p:attrNameLst>
+                                          <p:attrName>style.visibility</p:attrName>
+                                        </p:attrNameLst>
+                                      </p:cBhvr>
+                                      <p:to>
+                                        <p:strVal val="visible"/>
+                                      </p:to>
+                                    </p:set>
+                                  </p:childTnLst>
+                                </p:cTn>
+                              </p:par>
+                              <p:par>
+                                <p:cTn id="7" presetID="1" presetClass="entr" presetSubtype="0" fill="hold" grpId="0" nodeType="withEffect">
+                                  <p:stCondLst>
+                                    <p:cond delay="0"/>
+                                  </p:stCondLst>
+                                  <p:childTnLst>
+                                    <p:set>
+                                      <p:cBhvr>
+                                        <p:cTn id="8" dur="1" fill="hold">
+                                          <p:stCondLst>
+                                            <p:cond delay="0"/>
+                                          </p:stCondLst>
+                                        </p:cTn>
+                                        <p:tgtEl>
+                                          <p:spTgt spid="23">
+                                            <p:txEl>
+                                              <p:pRg st="1" end="1"/>
+                                            </p:txEl>
+                                          </p:spTgt>
+                                        </p:tgtEl>
+                                        <p:attrNameLst>
+                                          <p:attrName>style.visibility</p:attrName>
+                                        </p:attrNameLst>
+                                      </p:cBhvr>
+                                      <p:to>
+                                        <p:strVal val="visible"/>
+                                      </p:to>
+                                    </p:set>
+                                  </p:childTnLst>
+                                </p:cTn>
+                              </p:par>
+                            </p:childTnLst>
+                          </p:cTn>
+                        </p:par>
+                      </p:childTnLst>
+                    </p:cTn>
+                  </p:par>
+                  <p:par>
+                    <p:cTn id="9" fill="hold">
+                      <p:stCondLst>
+                        <p:cond delay="indefinite"/>
+                      </p:stCondLst>
+                      <p:childTnLst>
+                        <p:par>
+                          <p:cTn id="10" fill="hold">
+                            <p:stCondLst>
+                              <p:cond delay="0"/>
+                            </p:stCondLst>
+                            <p:childTnLst>
+                              <p:par>
+                                <p:cTn id="11" presetID="1" presetClass="entr" presetSubtype="0" fill="hold" grpId="0" nodeType="clickEffect">
+                                  <p:stCondLst>
+                                    <p:cond delay="0"/>
+                                  </p:stCondLst>
+                                  <p:childTnLst>
+                                    <p:set>
+                                      <p:cBhvr>
+                                        <p:cTn id="12" dur="1" fill="hold">
+                                          <p:stCondLst>
+                                            <p:cond delay="0"/>
+                                          </p:stCondLst>
+                                        </p:cTn>
+                                        <p:tgtEl>
+                                          <p:spTgt spid="23">
+                                            <p:txEl>
+                                              <p:pRg st="2" end="2"/>
+                                            </p:txEl>
+                                          </p:spTgt>
+                                        </p:tgtEl>
+                                        <p:attrNameLst>
+                                          <p:attrName>style.visibility</p:attrName>
+                                        </p:attrNameLst>
+                                      </p:cBhvr>
+                                      <p:to>
+                                        <p:strVal val="visible"/>
+                                      </p:to>
+                                    </p:set>
+                                  </p:childTnLst>
+                                </p:cTn>
+                              </p:par>
+                            </p:childTnLst>
+                          </p:cTn>
+                        </p:par>
+                      </p:childTnLst>
+                    </p:cTn>
+                  </p:par>
+                  <p:par>
+                    <p:cTn id="13" fill="hold">
+                      <p:stCondLst>
+                        <p:cond delay="indefinite"/>
+                      </p:stCondLst>
+                      <p:childTnLst>
+                        <p:par>
+                          <p:cTn id="14" fill="hold">
+                            <p:stCondLst>
+                              <p:cond delay="0"/>
+                            </p:stCondLst>
+                            <p:childTnLst>
+                              <p:par>
+                                <p:cTn id="15" presetID="1" presetClass="entr" presetSubtype="0" fill="hold" grpId="0" nodeType="clickEffect">
+                                  <p:stCondLst>
+                                    <p:cond delay="0"/>
+                                  </p:stCondLst>
+                                  <p:childTnLst>
+                                    <p:set>
+                                      <p:cBhvr>
+                                        <p:cTn id="16" dur="1" fill="hold">
+                                          <p:stCondLst>
+                                            <p:cond delay="0"/>
+                                          </p:stCondLst>
+                                        </p:cTn>
+                                        <p:tgtEl>
+                                          <p:spTgt spid="23">
+                                            <p:txEl>
+                                              <p:pRg st="3" end="3"/>
+                                            </p:txEl>
+                                          </p:spTgt>
+                                        </p:tgtEl>
+                                        <p:attrNameLst>
+                                          <p:attrName>style.visibility</p:attrName>
+                                        </p:attrNameLst>
+                                      </p:cBhvr>
+                                      <p:to>
+                                        <p:strVal val="visible"/>
+                                      </p:to>
+                                    </p:set>
+                                  </p:childTnLst>
+                                </p:cTn>
+                              </p:par>
+                            </p:childTnLst>
+                          </p:cTn>
+                        </p:par>
+                      </p:childTnLst>
+                    </p:cTn>
+                  </p:par>
+                  <p:par>
+                    <p:cTn id="17" fill="hold">
+                      <p:stCondLst>
+                        <p:cond delay="indefinite"/>
+                      </p:stCondLst>
+                      <p:childTnLst>
+                        <p:par>
+                          <p:cTn id="18" fill="hold">
+                            <p:stCondLst>
+                              <p:cond delay="0"/>
+                            </p:stCondLst>
+                            <p:childTnLst>
+                              <p:par>
+                                <p:cTn id="19" presetID="1" presetClass="entr" presetSubtype="0" fill="hold" grpId="0" nodeType="clickEffect">
+                                  <p:stCondLst>
+                                    <p:cond delay="0"/>
+                                  </p:stCondLst>
+                                  <p:childTnLst>
+                                    <p:set>
+                                      <p:cBhvr>
+                                        <p:cTn id="20" dur="1" fill="hold">
+                                          <p:stCondLst>
+                                            <p:cond delay="0"/>
+                                          </p:stCondLst>
+                                        </p:cTn>
+                                        <p:tgtEl>
+                                          <p:spTgt spid="23">
+                                            <p:txEl>
+                                              <p:pRg st="4" end="4"/>
+                                            </p:txEl>
+                                          </p:spTgt>
+                                        </p:tgtEl>
+                                        <p:attrNameLst>
+                                          <p:attrName>style.visibility</p:attrName>
+                                        </p:attrNameLst>
+                                      </p:cBhvr>
+                                      <p:to>
+                                        <p:strVal val="visible"/>
+                                      </p:to>
+                                    </p:set>
+                                  </p:childTnLst>
+                                </p:cTn>
+                              </p:par>
+                            </p:childTnLst>
+                          </p:cTn>
+                        </p:par>
+                      </p:childTnLst>
+                    </p:cTn>
+                  </p:par>
+                  <p:par>
+                    <p:cTn id="21" fill="hold">
+                      <p:stCondLst>
+                        <p:cond delay="indefinite"/>
+                      </p:stCondLst>
+                      <p:childTnLst>
+                        <p:par>
+                          <p:cTn id="22" fill="hold">
+                            <p:stCondLst>
+                              <p:cond delay="0"/>
+                            </p:stCondLst>
+                            <p:childTnLst>
+                              <p:par>
+                                <p:cTn id="23" presetID="1" presetClass="entr" presetSubtype="0" fill="hold" grpId="0" nodeType="clickEffect">
+                                  <p:stCondLst>
+                                    <p:cond delay="0"/>
+                                  </p:stCondLst>
+                                  <p:childTnLst>
+                                    <p:set>
+                                      <p:cBhvr>
+                                        <p:cTn id="24" dur="1" fill="hold">
+                                          <p:stCondLst>
+                                            <p:cond delay="0"/>
+                                          </p:stCondLst>
+                                        </p:cTn>
+                                        <p:tgtEl>
+                                          <p:spTgt spid="23">
+                                            <p:txEl>
+                                              <p:pRg st="5" end="5"/>
+                                            </p:txEl>
+                                          </p:spTgt>
+                                        </p:tgtEl>
+                                        <p:attrNameLst>
+                                          <p:attrName>style.visibility</p:attrName>
+                                        </p:attrNameLst>
+                                      </p:cBhvr>
+                                      <p:to>
+                                        <p:strVal val="visible"/>
+                                      </p:to>
+                                    </p:set>
+                                  </p:childTnLst>
+                                </p:cTn>
+                              </p:par>
+                            </p:childTnLst>
+                          </p:cTn>
+                        </p:par>
+                      </p:childTnLst>
+                    </p:cTn>
+                  </p:par>
+                  <p:par>
+                    <p:cTn id="25" fill="hold">
+                      <p:stCondLst>
+                        <p:cond delay="indefinite"/>
+                      </p:stCondLst>
+                      <p:childTnLst>
+                        <p:par>
+                          <p:cTn id="26" fill="hold">
+                            <p:stCondLst>
+                              <p:cond delay="0"/>
+                            </p:stCondLst>
+                            <p:childTnLst>
+                              <p:par>
+                                <p:cTn id="27" presetID="1" presetClass="entr" presetSubtype="0" fill="hold" grpId="0" nodeType="clickEffect">
+                                  <p:stCondLst>
+                                    <p:cond delay="0"/>
+                                  </p:stCondLst>
+                                  <p:childTnLst>
+                                    <p:set>
+                                      <p:cBhvr>
+                                        <p:cTn id="28" dur="1" fill="hold">
+                                          <p:stCondLst>
+                                            <p:cond delay="0"/>
+                                          </p:stCondLst>
+                                        </p:cTn>
+                                        <p:tgtEl>
+                                          <p:spTgt spid="23">
+                                            <p:txEl>
+                                              <p:pRg st="6" end="6"/>
+                                            </p:txEl>
+                                          </p:spTgt>
+                                        </p:tgtEl>
+                                        <p:attrNameLst>
+                                          <p:attrName>style.visibility</p:attrName>
+                                        </p:attrNameLst>
+                                      </p:cBhvr>
+                                      <p:to>
+                                        <p:strVal val="visible"/>
+                                      </p:to>
+                                    </p:set>
+                                  </p:childTnLst>
+                                </p:cTn>
+                              </p:par>
+                            </p:childTnLst>
+                          </p:cTn>
+                        </p:par>
+                      </p:childTnLst>
+                    </p:cTn>
+                  </p:par>
+                  <p:par>
+                    <p:cTn id="29" fill="hold">
+                      <p:stCondLst>
+                        <p:cond delay="indefinite"/>
+                      </p:stCondLst>
+                      <p:childTnLst>
+                        <p:par>
+                          <p:cTn id="30" fill="hold">
+                            <p:stCondLst>
+                              <p:cond delay="0"/>
+                            </p:stCondLst>
+                            <p:childTnLst>
+                              <p:par>
+                                <p:cTn id="31" presetID="1" presetClass="entr" presetSubtype="0" fill="hold" grpId="0" nodeType="clickEffect">
+                                  <p:stCondLst>
+                                    <p:cond delay="0"/>
+                                  </p:stCondLst>
+                                  <p:childTnLst>
+                                    <p:set>
+                                      <p:cBhvr>
+                                        <p:cTn id="32" dur="1" fill="hold">
+                                          <p:stCondLst>
+                                            <p:cond delay="0"/>
+                                          </p:stCondLst>
+                                        </p:cTn>
+                                        <p:tgtEl>
+                                          <p:spTgt spid="23">
+                                            <p:txEl>
+                                              <p:pRg st="7" end="7"/>
+                                            </p:txEl>
+                                          </p:spTgt>
+                                        </p:tgtEl>
+                                        <p:attrNameLst>
+                                          <p:attrName>style.visibility</p:attrName>
+                                        </p:attrNameLst>
+                                      </p:cBhvr>
+                                      <p:to>
+                                        <p:strVal val="visible"/>
+                                      </p:to>
+                                    </p:set>
+                                  </p:childTnLst>
+                                </p:cTn>
+                              </p:par>
+                            </p:childTnLst>
+                          </p:cTn>
+                        </p:par>
+                      </p:childTnLst>
+                    </p:cTn>
+                  </p:par>
+                </p:childTnLst>
+              </p:cTn>
+              <p:prevCondLst>
+                <p:cond evt="onPrev" delay="0">
+                  <p:tgtEl>
+                    <p:sldTgt/>
+                  </p:tgtEl>
+                </p:cond>
+              </p:prevCondLst>
+              <p:nextCondLst>
+                <p:cond evt="onNext" delay="0">
+                  <p:tgtEl>
+                    <p:sldTgt/>
+                  </p:tgtEl>
+                </p:cond>
+              </p:nextCondLst>
+            </p:seq>
+          </p:childTnLst>
+        </p:cTn>
+      </p:par>
+    </p:tnLst>
+    <p:bldLst>
+      <p:bldP spid="23" grpId="0" build="p"/>
+    </p:bldLst>
+  </p:timing>
 </p:sld>
 </file>
 
@@ -11514,6 +12375,171 @@
   <p:clrMapOvr>
     <a:masterClrMapping/>
   </p:clrMapOvr>
+  <p:timing>
+    <p:tnLst>
+      <p:par>
+        <p:cTn id="1" dur="indefinite" restart="never" nodeType="tmRoot">
+          <p:childTnLst>
+            <p:seq concurrent="1" nextAc="seek">
+              <p:cTn id="2" dur="indefinite" nodeType="mainSeq">
+                <p:childTnLst>
+                  <p:par>
+                    <p:cTn id="3" fill="hold">
+                      <p:stCondLst>
+                        <p:cond delay="indefinite"/>
+                      </p:stCondLst>
+                      <p:childTnLst>
+                        <p:par>
+                          <p:cTn id="4" fill="hold">
+                            <p:stCondLst>
+                              <p:cond delay="0"/>
+                            </p:stCondLst>
+                            <p:childTnLst>
+                              <p:par>
+                                <p:cTn id="5" presetID="1" presetClass="entr" presetSubtype="0" fill="hold" nodeType="clickEffect">
+                                  <p:stCondLst>
+                                    <p:cond delay="0"/>
+                                  </p:stCondLst>
+                                  <p:childTnLst>
+                                    <p:set>
+                                      <p:cBhvr>
+                                        <p:cTn id="6" dur="1" fill="hold">
+                                          <p:stCondLst>
+                                            <p:cond delay="0"/>
+                                          </p:stCondLst>
+                                        </p:cTn>
+                                        <p:tgtEl>
+                                          <p:spTgt spid="5"/>
+                                        </p:tgtEl>
+                                        <p:attrNameLst>
+                                          <p:attrName>style.visibility</p:attrName>
+                                        </p:attrNameLst>
+                                      </p:cBhvr>
+                                      <p:to>
+                                        <p:strVal val="visible"/>
+                                      </p:to>
+                                    </p:set>
+                                  </p:childTnLst>
+                                </p:cTn>
+                              </p:par>
+                            </p:childTnLst>
+                          </p:cTn>
+                        </p:par>
+                      </p:childTnLst>
+                    </p:cTn>
+                  </p:par>
+                  <p:par>
+                    <p:cTn id="7" fill="hold">
+                      <p:stCondLst>
+                        <p:cond delay="indefinite"/>
+                      </p:stCondLst>
+                      <p:childTnLst>
+                        <p:par>
+                          <p:cTn id="8" fill="hold">
+                            <p:stCondLst>
+                              <p:cond delay="0"/>
+                            </p:stCondLst>
+                            <p:childTnLst>
+                              <p:par>
+                                <p:cTn id="9" presetID="1" presetClass="entr" presetSubtype="0" fill="hold" nodeType="clickEffect">
+                                  <p:stCondLst>
+                                    <p:cond delay="0"/>
+                                  </p:stCondLst>
+                                  <p:childTnLst>
+                                    <p:set>
+                                      <p:cBhvr>
+                                        <p:cTn id="10" dur="1" fill="hold">
+                                          <p:stCondLst>
+                                            <p:cond delay="0"/>
+                                          </p:stCondLst>
+                                        </p:cTn>
+                                        <p:tgtEl>
+                                          <p:spTgt spid="7"/>
+                                        </p:tgtEl>
+                                        <p:attrNameLst>
+                                          <p:attrName>style.visibility</p:attrName>
+                                        </p:attrNameLst>
+                                      </p:cBhvr>
+                                      <p:to>
+                                        <p:strVal val="visible"/>
+                                      </p:to>
+                                    </p:set>
+                                  </p:childTnLst>
+                                </p:cTn>
+                              </p:par>
+                            </p:childTnLst>
+                          </p:cTn>
+                        </p:par>
+                      </p:childTnLst>
+                    </p:cTn>
+                  </p:par>
+                  <p:par>
+                    <p:cTn id="11" fill="hold">
+                      <p:stCondLst>
+                        <p:cond delay="indefinite"/>
+                      </p:stCondLst>
+                      <p:childTnLst>
+                        <p:par>
+                          <p:cTn id="12" fill="hold">
+                            <p:stCondLst>
+                              <p:cond delay="0"/>
+                            </p:stCondLst>
+                            <p:childTnLst>
+                              <p:par>
+                                <p:cTn id="13" presetID="1" presetClass="entr" presetSubtype="0" fill="hold" nodeType="clickEffect">
+                                  <p:stCondLst>
+                                    <p:cond delay="0"/>
+                                  </p:stCondLst>
+                                  <p:childTnLst>
+                                    <p:set>
+                                      <p:cBhvr>
+                                        <p:cTn id="14" dur="1" fill="hold">
+                                          <p:stCondLst>
+                                            <p:cond delay="0"/>
+                                          </p:stCondLst>
+                                        </p:cTn>
+                                        <p:tgtEl>
+                                          <p:spTgt spid="9"/>
+                                        </p:tgtEl>
+                                        <p:attrNameLst>
+                                          <p:attrName>style.visibility</p:attrName>
+                                        </p:attrNameLst>
+                                      </p:cBhvr>
+                                      <p:to>
+                                        <p:strVal val="visible"/>
+                                      </p:to>
+                                    </p:set>
+                                  </p:childTnLst>
+                                </p:cTn>
+                              </p:par>
+                            </p:childTnLst>
+                          </p:cTn>
+                        </p:par>
+                      </p:childTnLst>
+                    </p:cTn>
+                  </p:par>
+                </p:childTnLst>
+              </p:cTn>
+              <p:prevCondLst>
+                <p:cond evt="onPrev" delay="0">
+                  <p:tgtEl>
+                    <p:sldTgt/>
+                  </p:tgtEl>
+                </p:cond>
+              </p:prevCondLst>
+              <p:nextCondLst>
+                <p:cond evt="onNext" delay="0">
+                  <p:tgtEl>
+                    <p:sldTgt/>
+                  </p:tgtEl>
+                </p:cond>
+              </p:nextCondLst>
+            </p:seq>
+          </p:childTnLst>
+        </p:cTn>
+      </p:par>
+    </p:tnLst>
+  </p:timing>
 </p:sld>
 </file>
 
@@ -12952,6 +13978,126 @@
   <p:clrMapOvr>
     <a:masterClrMapping/>
   </p:clrMapOvr>
+  <p:timing>
+    <p:tnLst>
+      <p:par>
+        <p:cTn id="1" dur="indefinite" restart="never" nodeType="tmRoot">
+          <p:childTnLst>
+            <p:seq concurrent="1" nextAc="seek">
+              <p:cTn id="2" dur="indefinite" nodeType="mainSeq">
+                <p:childTnLst>
+                  <p:par>
+                    <p:cTn id="3" fill="hold">
+                      <p:stCondLst>
+                        <p:cond delay="indefinite"/>
+                      </p:stCondLst>
+                      <p:childTnLst>
+                        <p:par>
+                          <p:cTn id="4" fill="hold">
+                            <p:stCondLst>
+                              <p:cond delay="0"/>
+                            </p:stCondLst>
+                            <p:childTnLst>
+                              <p:par>
+                                <p:cTn id="5" presetID="1" presetClass="entr" presetSubtype="0" fill="hold" nodeType="clickEffect">
+                                  <p:stCondLst>
+                                    <p:cond delay="0"/>
+                                  </p:stCondLst>
+                                  <p:childTnLst>
+                                    <p:set>
+                                      <p:cBhvr>
+                                        <p:cTn id="6" dur="1" fill="hold">
+                                          <p:stCondLst>
+                                            <p:cond delay="0"/>
+                                          </p:stCondLst>
+                                        </p:cTn>
+                                        <p:tgtEl>
+                                          <p:spTgt spid="11"/>
+                                        </p:tgtEl>
+                                        <p:attrNameLst>
+                                          <p:attrName>style.visibility</p:attrName>
+                                        </p:attrNameLst>
+                                      </p:cBhvr>
+                                      <p:to>
+                                        <p:strVal val="visible"/>
+                                      </p:to>
+                                    </p:set>
+                                  </p:childTnLst>
+                                </p:cTn>
+                              </p:par>
+                            </p:childTnLst>
+                          </p:cTn>
+                        </p:par>
+                      </p:childTnLst>
+                    </p:cTn>
+                  </p:par>
+                  <p:par>
+                    <p:cTn id="7" fill="hold">
+                      <p:stCondLst>
+                        <p:cond delay="indefinite"/>
+                      </p:stCondLst>
+                      <p:childTnLst>
+                        <p:par>
+                          <p:cTn id="8" fill="hold">
+                            <p:stCondLst>
+                              <p:cond delay="0"/>
+                            </p:stCondLst>
+                            <p:childTnLst>
+                              <p:par>
+                                <p:cTn id="9" presetID="1" presetClass="entr" presetSubtype="0" fill="hold" nodeType="clickEffect">
+                                  <p:stCondLst>
+                                    <p:cond delay="0"/>
+                                  </p:stCondLst>
+                                  <p:childTnLst>
+                                    <p:set>
+                                      <p:cBhvr>
+                                        <p:cTn id="10" dur="1" fill="hold">
+                                          <p:stCondLst>
+                                            <p:cond delay="0"/>
+                                          </p:stCondLst>
+                                        </p:cTn>
+                                        <p:tgtEl>
+                                          <p:spTgt spid="5"/>
+                                        </p:tgtEl>
+                                        <p:attrNameLst>
+                                          <p:attrName>style.visibility</p:attrName>
+                                        </p:attrNameLst>
+                                      </p:cBhvr>
+                                      <p:to>
+                                        <p:strVal val="visible"/>
+                                      </p:to>
+                                    </p:set>
+                                  </p:childTnLst>
+                                </p:cTn>
+                              </p:par>
+                            </p:childTnLst>
+                          </p:cTn>
+                        </p:par>
+                      </p:childTnLst>
+                    </p:cTn>
+                  </p:par>
+                </p:childTnLst>
+              </p:cTn>
+              <p:prevCondLst>
+                <p:cond evt="onPrev" delay="0">
+                  <p:tgtEl>
+                    <p:sldTgt/>
+                  </p:tgtEl>
+                </p:cond>
+              </p:prevCondLst>
+              <p:nextCondLst>
+                <p:cond evt="onNext" delay="0">
+                  <p:tgtEl>
+                    <p:sldTgt/>
+                  </p:tgtEl>
+                </p:cond>
+              </p:nextCondLst>
+            </p:seq>
+          </p:childTnLst>
+        </p:cTn>
+      </p:par>
+    </p:tnLst>
+  </p:timing>
 </p:sld>
 </file>
 

--- a/Meetings/Presentations/2019-03-16 APIs Everywhere.pptx
+++ b/Meetings/Presentations/2019-03-16 APIs Everywhere.pptx
@@ -6,16 +6,17 @@
   </p:sldMasterIdLst>
   <p:sldIdLst>
     <p:sldId id="256" r:id="rId2"/>
-    <p:sldId id="257" r:id="rId3"/>
-    <p:sldId id="258" r:id="rId4"/>
-    <p:sldId id="259" r:id="rId5"/>
-    <p:sldId id="260" r:id="rId6"/>
-    <p:sldId id="261" r:id="rId7"/>
-    <p:sldId id="262" r:id="rId8"/>
-    <p:sldId id="263" r:id="rId9"/>
-    <p:sldId id="264" r:id="rId10"/>
-    <p:sldId id="265" r:id="rId11"/>
-    <p:sldId id="266" r:id="rId12"/>
+    <p:sldId id="267" r:id="rId3"/>
+    <p:sldId id="257" r:id="rId4"/>
+    <p:sldId id="258" r:id="rId5"/>
+    <p:sldId id="259" r:id="rId6"/>
+    <p:sldId id="260" r:id="rId7"/>
+    <p:sldId id="261" r:id="rId8"/>
+    <p:sldId id="262" r:id="rId9"/>
+    <p:sldId id="263" r:id="rId10"/>
+    <p:sldId id="264" r:id="rId11"/>
+    <p:sldId id="265" r:id="rId12"/>
+    <p:sldId id="266" r:id="rId13"/>
   </p:sldIdLst>
   <p:sldSz cx="12192000" cy="6858000"/>
   <p:notesSz cx="6858000" cy="9144000"/>
@@ -9144,6 +9145,931 @@
           <a:chExt cx="0" cy="0"/>
         </a:xfrm>
       </p:grpSpPr>
+      <p:pic>
+        <p:nvPicPr>
+          <p:cNvPr id="16" name="Picture 2">
+            <a:extLst>
+              <a:ext uri="{FF2B5EF4-FFF2-40B4-BE49-F238E27FC236}">
+                <a16:creationId xmlns:a16="http://schemas.microsoft.com/office/drawing/2014/main" id="{E329ADF2-0541-4770-8D6F-7F7392064B14}"/>
+              </a:ext>
+              <a:ext uri="{C183D7F6-B498-43B3-948B-1728B52AA6E4}">
+                <adec:decorative xmlns:adec="http://schemas.microsoft.com/office/drawing/2017/decorative" val="1"/>
+              </a:ext>
+            </a:extLst>
+          </p:cNvPr>
+          <p:cNvPicPr>
+            <a:picLocks noGrp="1" noRot="1" noChangeAspect="1" noMove="1" noResize="1" noEditPoints="1" noAdjustHandles="1" noChangeArrowheads="1" noChangeShapeType="1" noCrop="1"/>
+          </p:cNvPicPr>
+          <p:nvPr>
+            <p:extLst>
+              <p:ext uri="{386F3935-93C4-4BCD-93E2-E3B085C9AB24}">
+                <p16:designElem xmlns:p16="http://schemas.microsoft.com/office/powerpoint/2015/main" val="1"/>
+              </p:ext>
+            </p:extLst>
+          </p:nvPr>
+        </p:nvPicPr>
+        <p:blipFill>
+          <a:blip r:embed="rId2">
+            <a:alphaModFix/>
+            <a:extLst>
+              <a:ext uri="{28A0092B-C50C-407E-A947-70E740481C1C}">
+                <a14:useLocalDpi xmlns:a14="http://schemas.microsoft.com/office/drawing/2010/main" val="0"/>
+              </a:ext>
+            </a:extLst>
+          </a:blip>
+          <a:srcRect/>
+          <a:stretch>
+            <a:fillRect/>
+          </a:stretch>
+        </p:blipFill>
+        <p:spPr bwMode="auto">
+          <a:xfrm>
+            <a:off x="0" y="-1"/>
+            <a:ext cx="12192003" cy="6858001"/>
+          </a:xfrm>
+          <a:prstGeom prst="rect">
+            <a:avLst/>
+          </a:prstGeom>
+          <a:noFill/>
+          <a:extLst>
+            <a:ext uri="{909E8E84-426E-40DD-AFC4-6F175D3DCCD1}">
+              <a14:hiddenFill xmlns:a14="http://schemas.microsoft.com/office/drawing/2010/main">
+                <a:solidFill>
+                  <a:srgbClr val="FFFFFF"/>
+                </a:solidFill>
+              </a14:hiddenFill>
+            </a:ext>
+          </a:extLst>
+        </p:spPr>
+      </p:pic>
+      <p:pic>
+        <p:nvPicPr>
+          <p:cNvPr id="18" name="Picture 17">
+            <a:extLst>
+              <a:ext uri="{FF2B5EF4-FFF2-40B4-BE49-F238E27FC236}">
+                <a16:creationId xmlns:a16="http://schemas.microsoft.com/office/drawing/2014/main" id="{DB042749-FB5E-4C0B-867D-6D25FB5FF0AA}"/>
+              </a:ext>
+              <a:ext uri="{C183D7F6-B498-43B3-948B-1728B52AA6E4}">
+                <adec:decorative xmlns:adec="http://schemas.microsoft.com/office/drawing/2017/decorative" val="1"/>
+              </a:ext>
+            </a:extLst>
+          </p:cNvPr>
+          <p:cNvPicPr>
+            <a:picLocks noGrp="1" noRot="1" noChangeAspect="1" noMove="1" noResize="1" noEditPoints="1" noAdjustHandles="1" noChangeArrowheads="1" noChangeShapeType="1" noCrop="1"/>
+          </p:cNvPicPr>
+          <p:nvPr>
+            <p:extLst>
+              <p:ext uri="{386F3935-93C4-4BCD-93E2-E3B085C9AB24}">
+                <p16:designElem xmlns:p16="http://schemas.microsoft.com/office/powerpoint/2015/main" val="1"/>
+              </p:ext>
+            </p:extLst>
+          </p:nvPr>
+        </p:nvPicPr>
+        <p:blipFill>
+          <a:blip r:embed="rId3">
+            <a:extLst>
+              <a:ext uri="{28A0092B-C50C-407E-A947-70E740481C1C}">
+                <a14:useLocalDpi xmlns:a14="http://schemas.microsoft.com/office/drawing/2010/main" val="0"/>
+              </a:ext>
+            </a:extLst>
+          </a:blip>
+          <a:stretch>
+            <a:fillRect/>
+          </a:stretch>
+        </p:blipFill>
+        <p:spPr>
+          <a:xfrm>
+            <a:off x="0" y="0"/>
+            <a:ext cx="12192000" cy="6858000"/>
+          </a:xfrm>
+          <a:prstGeom prst="rect">
+            <a:avLst/>
+          </a:prstGeom>
+        </p:spPr>
+      </p:pic>
+      <p:sp useBgFill="1">
+        <p:nvSpPr>
+          <p:cNvPr id="20" name="Rectangle 19">
+            <a:extLst>
+              <a:ext uri="{FF2B5EF4-FFF2-40B4-BE49-F238E27FC236}">
+                <a16:creationId xmlns:a16="http://schemas.microsoft.com/office/drawing/2014/main" id="{68D4C855-B6A7-4C04-A274-7295D03AA6AA}"/>
+              </a:ext>
+              <a:ext uri="{C183D7F6-B498-43B3-948B-1728B52AA6E4}">
+                <adec:decorative xmlns:adec="http://schemas.microsoft.com/office/drawing/2017/decorative" val="1"/>
+              </a:ext>
+            </a:extLst>
+          </p:cNvPr>
+          <p:cNvSpPr>
+            <a:spLocks noGrp="1" noRot="1" noChangeAspect="1" noMove="1" noResize="1" noEditPoints="1" noAdjustHandles="1" noChangeArrowheads="1" noChangeShapeType="1" noTextEdit="1"/>
+          </p:cNvSpPr>
+          <p:nvPr>
+            <p:extLst>
+              <p:ext uri="{386F3935-93C4-4BCD-93E2-E3B085C9AB24}">
+                <p16:designElem xmlns:p16="http://schemas.microsoft.com/office/powerpoint/2015/main" val="1"/>
+              </p:ext>
+            </p:extLst>
+          </p:nvPr>
+        </p:nvSpPr>
+        <p:spPr>
+          <a:xfrm>
+            <a:off x="0" y="0"/>
+            <a:ext cx="12192000" cy="6858000"/>
+          </a:xfrm>
+          <a:prstGeom prst="rect">
+            <a:avLst/>
+          </a:prstGeom>
+          <a:ln>
+            <a:noFill/>
+          </a:ln>
+        </p:spPr>
+        <p:style>
+          <a:lnRef idx="2">
+            <a:schemeClr val="accent1">
+              <a:shade val="50000"/>
+            </a:schemeClr>
+          </a:lnRef>
+          <a:fillRef idx="1">
+            <a:schemeClr val="accent1"/>
+          </a:fillRef>
+          <a:effectRef idx="0">
+            <a:schemeClr val="accent1"/>
+          </a:effectRef>
+          <a:fontRef idx="minor">
+            <a:schemeClr val="lt1"/>
+          </a:fontRef>
+        </p:style>
+        <p:txBody>
+          <a:bodyPr rtlCol="0" anchor="ctr"/>
+          <a:lstStyle/>
+          <a:p>
+            <a:pPr algn="ctr"/>
+            <a:endParaRPr lang="en-US"/>
+          </a:p>
+        </p:txBody>
+      </p:sp>
+      <p:pic>
+        <p:nvPicPr>
+          <p:cNvPr id="22" name="Picture 2">
+            <a:extLst>
+              <a:ext uri="{FF2B5EF4-FFF2-40B4-BE49-F238E27FC236}">
+                <a16:creationId xmlns:a16="http://schemas.microsoft.com/office/drawing/2014/main" id="{718CD397-1B79-4061-ADE0-AD7083A267D8}"/>
+              </a:ext>
+              <a:ext uri="{C183D7F6-B498-43B3-948B-1728B52AA6E4}">
+                <adec:decorative xmlns:adec="http://schemas.microsoft.com/office/drawing/2017/decorative" val="1"/>
+              </a:ext>
+            </a:extLst>
+          </p:cNvPr>
+          <p:cNvPicPr>
+            <a:picLocks noGrp="1" noRot="1" noChangeAspect="1" noMove="1" noResize="1" noEditPoints="1" noAdjustHandles="1" noChangeArrowheads="1" noChangeShapeType="1" noCrop="1"/>
+          </p:cNvPicPr>
+          <p:nvPr>
+            <p:extLst>
+              <p:ext uri="{386F3935-93C4-4BCD-93E2-E3B085C9AB24}">
+                <p16:designElem xmlns:p16="http://schemas.microsoft.com/office/powerpoint/2015/main" val="1"/>
+              </p:ext>
+            </p:extLst>
+          </p:nvPr>
+        </p:nvPicPr>
+        <p:blipFill>
+          <a:blip r:embed="rId2">
+            <a:alphaModFix/>
+            <a:extLst>
+              <a:ext uri="{28A0092B-C50C-407E-A947-70E740481C1C}">
+                <a14:useLocalDpi xmlns:a14="http://schemas.microsoft.com/office/drawing/2010/main" val="0"/>
+              </a:ext>
+            </a:extLst>
+          </a:blip>
+          <a:srcRect/>
+          <a:stretch>
+            <a:fillRect/>
+          </a:stretch>
+        </p:blipFill>
+        <p:spPr bwMode="auto">
+          <a:xfrm>
+            <a:off x="0" y="-1"/>
+            <a:ext cx="12192003" cy="6858001"/>
+          </a:xfrm>
+          <a:prstGeom prst="rect">
+            <a:avLst/>
+          </a:prstGeom>
+          <a:noFill/>
+          <a:extLst>
+            <a:ext uri="{909E8E84-426E-40DD-AFC4-6F175D3DCCD1}">
+              <a14:hiddenFill xmlns:a14="http://schemas.microsoft.com/office/drawing/2010/main">
+                <a:solidFill>
+                  <a:srgbClr val="FFFFFF"/>
+                </a:solidFill>
+              </a14:hiddenFill>
+            </a:ext>
+          </a:extLst>
+        </p:spPr>
+      </p:pic>
+      <p:sp>
+        <p:nvSpPr>
+          <p:cNvPr id="24" name="Rounded Rectangle 11">
+            <a:extLst>
+              <a:ext uri="{FF2B5EF4-FFF2-40B4-BE49-F238E27FC236}">
+                <a16:creationId xmlns:a16="http://schemas.microsoft.com/office/drawing/2014/main" id="{CD1DABED-DF86-4D7D-9858-A8E0CB0C5E4E}"/>
+              </a:ext>
+              <a:ext uri="{C183D7F6-B498-43B3-948B-1728B52AA6E4}">
+                <adec:decorative xmlns:adec="http://schemas.microsoft.com/office/drawing/2017/decorative" val="1"/>
+              </a:ext>
+            </a:extLst>
+          </p:cNvPr>
+          <p:cNvSpPr>
+            <a:spLocks noGrp="1" noRot="1" noChangeAspect="1" noMove="1" noResize="1" noEditPoints="1" noAdjustHandles="1" noChangeArrowheads="1" noChangeShapeType="1" noTextEdit="1"/>
+          </p:cNvSpPr>
+          <p:nvPr>
+            <p:extLst>
+              <p:ext uri="{386F3935-93C4-4BCD-93E2-E3B085C9AB24}">
+                <p16:designElem xmlns:p16="http://schemas.microsoft.com/office/powerpoint/2015/main" val="1"/>
+              </p:ext>
+            </p:extLst>
+          </p:nvPr>
+        </p:nvSpPr>
+        <p:spPr>
+          <a:xfrm>
+            <a:off x="999954" y="1403597"/>
+            <a:ext cx="2407450" cy="2631486"/>
+          </a:xfrm>
+          <a:prstGeom prst="roundRect">
+            <a:avLst>
+              <a:gd name="adj" fmla="val 5241"/>
+            </a:avLst>
+          </a:prstGeom>
+          <a:solidFill>
+            <a:srgbClr val="FFFFFF"/>
+          </a:solidFill>
+          <a:ln w="82550" cap="sq">
+            <a:solidFill>
+              <a:srgbClr val="EAEAEA"/>
+            </a:solidFill>
+            <a:miter lim="800000"/>
+          </a:ln>
+          <a:effectLst/>
+          <a:scene3d>
+            <a:camera prst="orthographicFront"/>
+            <a:lightRig rig="threePt" dir="t">
+              <a:rot lat="0" lon="0" rev="2700000"/>
+            </a:lightRig>
+          </a:scene3d>
+          <a:sp3d contourW="6350">
+            <a:bevelT h="38100"/>
+            <a:contourClr>
+              <a:srgbClr val="C0C0C0"/>
+            </a:contourClr>
+          </a:sp3d>
+        </p:spPr>
+        <p:txBody>
+          <a:bodyPr vert="horz" lIns="91440" tIns="45720" rIns="91440" bIns="45720" rtlCol="0" anchor="t">
+            <a:normAutofit/>
+          </a:bodyPr>
+          <a:lstStyle/>
+          <a:p>
+            <a:pPr algn="ctr">
+              <a:lnSpc>
+                <a:spcPct val="120000"/>
+              </a:lnSpc>
+              <a:spcBef>
+                <a:spcPts val="1000"/>
+              </a:spcBef>
+              <a:buClr>
+                <a:schemeClr val="tx1"/>
+              </a:buClr>
+            </a:pPr>
+            <a:endParaRPr lang="en-US" sz="3200" cap="all">
+              <a:solidFill>
+                <a:schemeClr val="bg1">
+                  <a:lumMod val="50000"/>
+                </a:schemeClr>
+              </a:solidFill>
+            </a:endParaRPr>
+          </a:p>
+        </p:txBody>
+      </p:sp>
+      <p:sp>
+        <p:nvSpPr>
+          <p:cNvPr id="26" name="Rounded Rectangle 36">
+            <a:extLst>
+              <a:ext uri="{FF2B5EF4-FFF2-40B4-BE49-F238E27FC236}">
+                <a16:creationId xmlns:a16="http://schemas.microsoft.com/office/drawing/2014/main" id="{623BF8FB-B442-4FA0-828C-B0A1B7FB5FB5}"/>
+              </a:ext>
+              <a:ext uri="{C183D7F6-B498-43B3-948B-1728B52AA6E4}">
+                <adec:decorative xmlns:adec="http://schemas.microsoft.com/office/drawing/2017/decorative" val="1"/>
+              </a:ext>
+            </a:extLst>
+          </p:cNvPr>
+          <p:cNvSpPr>
+            <a:spLocks noGrp="1" noRot="1" noChangeAspect="1" noMove="1" noResize="1" noEditPoints="1" noAdjustHandles="1" noChangeArrowheads="1" noChangeShapeType="1" noTextEdit="1"/>
+          </p:cNvSpPr>
+          <p:nvPr>
+            <p:extLst>
+              <p:ext uri="{386F3935-93C4-4BCD-93E2-E3B085C9AB24}">
+                <p16:designElem xmlns:p16="http://schemas.microsoft.com/office/powerpoint/2015/main" val="1"/>
+              </p:ext>
+            </p:extLst>
+          </p:nvPr>
+        </p:nvSpPr>
+        <p:spPr>
+          <a:xfrm>
+            <a:off x="3594834" y="1403597"/>
+            <a:ext cx="2407450" cy="2631486"/>
+          </a:xfrm>
+          <a:prstGeom prst="roundRect">
+            <a:avLst>
+              <a:gd name="adj" fmla="val 5241"/>
+            </a:avLst>
+          </a:prstGeom>
+          <a:solidFill>
+            <a:srgbClr val="FFFFFF"/>
+          </a:solidFill>
+          <a:ln w="82550" cap="sq">
+            <a:solidFill>
+              <a:srgbClr val="EAEAEA"/>
+            </a:solidFill>
+            <a:miter lim="800000"/>
+          </a:ln>
+          <a:effectLst/>
+          <a:scene3d>
+            <a:camera prst="orthographicFront"/>
+            <a:lightRig rig="threePt" dir="t">
+              <a:rot lat="0" lon="0" rev="2700000"/>
+            </a:lightRig>
+          </a:scene3d>
+          <a:sp3d contourW="6350">
+            <a:bevelT h="38100"/>
+            <a:contourClr>
+              <a:srgbClr val="C0C0C0"/>
+            </a:contourClr>
+          </a:sp3d>
+        </p:spPr>
+        <p:txBody>
+          <a:bodyPr vert="horz" lIns="91440" tIns="45720" rIns="91440" bIns="45720" rtlCol="0" anchor="t">
+            <a:normAutofit/>
+          </a:bodyPr>
+          <a:lstStyle/>
+          <a:p>
+            <a:pPr algn="ctr">
+              <a:lnSpc>
+                <a:spcPct val="120000"/>
+              </a:lnSpc>
+              <a:spcBef>
+                <a:spcPts val="1000"/>
+              </a:spcBef>
+              <a:buClr>
+                <a:schemeClr val="tx1"/>
+              </a:buClr>
+            </a:pPr>
+            <a:endParaRPr lang="en-US" sz="3200" cap="all">
+              <a:solidFill>
+                <a:schemeClr val="bg1">
+                  <a:lumMod val="50000"/>
+                </a:schemeClr>
+              </a:solidFill>
+            </a:endParaRPr>
+          </a:p>
+        </p:txBody>
+      </p:sp>
+      <p:sp>
+        <p:nvSpPr>
+          <p:cNvPr id="28" name="Rounded Rectangle 38">
+            <a:extLst>
+              <a:ext uri="{FF2B5EF4-FFF2-40B4-BE49-F238E27FC236}">
+                <a16:creationId xmlns:a16="http://schemas.microsoft.com/office/drawing/2014/main" id="{7218CBDC-EFDF-415D-B1FE-6F87788AAB99}"/>
+              </a:ext>
+              <a:ext uri="{C183D7F6-B498-43B3-948B-1728B52AA6E4}">
+                <adec:decorative xmlns:adec="http://schemas.microsoft.com/office/drawing/2017/decorative" val="1"/>
+              </a:ext>
+            </a:extLst>
+          </p:cNvPr>
+          <p:cNvSpPr>
+            <a:spLocks noGrp="1" noRot="1" noChangeAspect="1" noMove="1" noResize="1" noEditPoints="1" noAdjustHandles="1" noChangeArrowheads="1" noChangeShapeType="1" noTextEdit="1"/>
+          </p:cNvSpPr>
+          <p:nvPr>
+            <p:extLst>
+              <p:ext uri="{386F3935-93C4-4BCD-93E2-E3B085C9AB24}">
+                <p16:designElem xmlns:p16="http://schemas.microsoft.com/office/powerpoint/2015/main" val="1"/>
+              </p:ext>
+            </p:extLst>
+          </p:nvPr>
+        </p:nvSpPr>
+        <p:spPr>
+          <a:xfrm>
+            <a:off x="6189714" y="1403597"/>
+            <a:ext cx="2407450" cy="2631486"/>
+          </a:xfrm>
+          <a:prstGeom prst="roundRect">
+            <a:avLst>
+              <a:gd name="adj" fmla="val 5241"/>
+            </a:avLst>
+          </a:prstGeom>
+          <a:solidFill>
+            <a:srgbClr val="FFFFFF"/>
+          </a:solidFill>
+          <a:ln w="82550" cap="sq">
+            <a:solidFill>
+              <a:srgbClr val="EAEAEA"/>
+            </a:solidFill>
+            <a:miter lim="800000"/>
+          </a:ln>
+          <a:effectLst/>
+          <a:scene3d>
+            <a:camera prst="orthographicFront"/>
+            <a:lightRig rig="threePt" dir="t">
+              <a:rot lat="0" lon="0" rev="2700000"/>
+            </a:lightRig>
+          </a:scene3d>
+          <a:sp3d contourW="6350">
+            <a:bevelT h="38100"/>
+            <a:contourClr>
+              <a:srgbClr val="C0C0C0"/>
+            </a:contourClr>
+          </a:sp3d>
+        </p:spPr>
+        <p:txBody>
+          <a:bodyPr vert="horz" lIns="91440" tIns="45720" rIns="91440" bIns="45720" rtlCol="0" anchor="t">
+            <a:normAutofit/>
+          </a:bodyPr>
+          <a:lstStyle/>
+          <a:p>
+            <a:pPr algn="ctr">
+              <a:lnSpc>
+                <a:spcPct val="120000"/>
+              </a:lnSpc>
+              <a:spcBef>
+                <a:spcPts val="1000"/>
+              </a:spcBef>
+              <a:buClr>
+                <a:schemeClr val="tx1"/>
+              </a:buClr>
+            </a:pPr>
+            <a:endParaRPr lang="en-US" sz="3200" cap="all">
+              <a:solidFill>
+                <a:schemeClr val="bg1">
+                  <a:lumMod val="50000"/>
+                </a:schemeClr>
+              </a:solidFill>
+            </a:endParaRPr>
+          </a:p>
+        </p:txBody>
+      </p:sp>
+      <p:pic>
+        <p:nvPicPr>
+          <p:cNvPr id="11" name="Picture 10" descr="A close up of a sign&#10;&#10;Description automatically generated">
+            <a:extLst>
+              <a:ext uri="{FF2B5EF4-FFF2-40B4-BE49-F238E27FC236}">
+                <a16:creationId xmlns:a16="http://schemas.microsoft.com/office/drawing/2014/main" id="{3A3BFADD-A0B3-4236-BB68-669D6A0C9554}"/>
+              </a:ext>
+            </a:extLst>
+          </p:cNvPr>
+          <p:cNvPicPr>
+            <a:picLocks noChangeAspect="1"/>
+          </p:cNvPicPr>
+          <p:nvPr/>
+        </p:nvPicPr>
+        <p:blipFill>
+          <a:blip r:embed="rId4"/>
+          <a:stretch>
+            <a:fillRect/>
+          </a:stretch>
+        </p:blipFill>
+        <p:spPr>
+          <a:xfrm>
+            <a:off x="6371871" y="1498889"/>
+            <a:ext cx="2043135" cy="2304288"/>
+          </a:xfrm>
+          <a:prstGeom prst="rect">
+            <a:avLst/>
+          </a:prstGeom>
+        </p:spPr>
+      </p:pic>
+      <p:pic>
+        <p:nvPicPr>
+          <p:cNvPr id="9" name="Picture 8">
+            <a:extLst>
+              <a:ext uri="{FF2B5EF4-FFF2-40B4-BE49-F238E27FC236}">
+                <a16:creationId xmlns:a16="http://schemas.microsoft.com/office/drawing/2014/main" id="{6C509E54-3BB5-4A5A-B469-D9FF78378522}"/>
+              </a:ext>
+            </a:extLst>
+          </p:cNvPr>
+          <p:cNvPicPr>
+            <a:picLocks noChangeAspect="1"/>
+          </p:cNvPicPr>
+          <p:nvPr/>
+        </p:nvPicPr>
+        <p:blipFill>
+          <a:blip r:embed="rId5"/>
+          <a:stretch>
+            <a:fillRect/>
+          </a:stretch>
+        </p:blipFill>
+        <p:spPr>
+          <a:xfrm>
+            <a:off x="1165835" y="1649833"/>
+            <a:ext cx="2075688" cy="2075688"/>
+          </a:xfrm>
+          <a:prstGeom prst="rect">
+            <a:avLst/>
+          </a:prstGeom>
+        </p:spPr>
+      </p:pic>
+      <p:sp>
+        <p:nvSpPr>
+          <p:cNvPr id="30" name="Rounded Rectangle 40">
+            <a:extLst>
+              <a:ext uri="{FF2B5EF4-FFF2-40B4-BE49-F238E27FC236}">
+                <a16:creationId xmlns:a16="http://schemas.microsoft.com/office/drawing/2014/main" id="{23E32CD6-2197-4038-B39F-11F95DCC2733}"/>
+              </a:ext>
+              <a:ext uri="{C183D7F6-B498-43B3-948B-1728B52AA6E4}">
+                <adec:decorative xmlns:adec="http://schemas.microsoft.com/office/drawing/2017/decorative" val="1"/>
+              </a:ext>
+            </a:extLst>
+          </p:cNvPr>
+          <p:cNvSpPr>
+            <a:spLocks noGrp="1" noRot="1" noChangeAspect="1" noMove="1" noResize="1" noEditPoints="1" noAdjustHandles="1" noChangeArrowheads="1" noChangeShapeType="1" noTextEdit="1"/>
+          </p:cNvSpPr>
+          <p:nvPr>
+            <p:extLst>
+              <p:ext uri="{386F3935-93C4-4BCD-93E2-E3B085C9AB24}">
+                <p16:designElem xmlns:p16="http://schemas.microsoft.com/office/powerpoint/2015/main" val="1"/>
+              </p:ext>
+            </p:extLst>
+          </p:nvPr>
+        </p:nvSpPr>
+        <p:spPr>
+          <a:xfrm>
+            <a:off x="8784593" y="1403597"/>
+            <a:ext cx="2407450" cy="2631486"/>
+          </a:xfrm>
+          <a:prstGeom prst="roundRect">
+            <a:avLst>
+              <a:gd name="adj" fmla="val 5241"/>
+            </a:avLst>
+          </a:prstGeom>
+          <a:solidFill>
+            <a:srgbClr val="FFFFFF"/>
+          </a:solidFill>
+          <a:ln w="82550" cap="sq">
+            <a:solidFill>
+              <a:srgbClr val="EAEAEA"/>
+            </a:solidFill>
+            <a:miter lim="800000"/>
+          </a:ln>
+          <a:effectLst/>
+          <a:scene3d>
+            <a:camera prst="orthographicFront"/>
+            <a:lightRig rig="threePt" dir="t">
+              <a:rot lat="0" lon="0" rev="2700000"/>
+            </a:lightRig>
+          </a:scene3d>
+          <a:sp3d contourW="6350">
+            <a:bevelT h="38100"/>
+            <a:contourClr>
+              <a:srgbClr val="C0C0C0"/>
+            </a:contourClr>
+          </a:sp3d>
+        </p:spPr>
+        <p:txBody>
+          <a:bodyPr vert="horz" lIns="91440" tIns="45720" rIns="91440" bIns="45720" rtlCol="0" anchor="t">
+            <a:normAutofit/>
+          </a:bodyPr>
+          <a:lstStyle/>
+          <a:p>
+            <a:pPr algn="ctr">
+              <a:lnSpc>
+                <a:spcPct val="120000"/>
+              </a:lnSpc>
+              <a:spcBef>
+                <a:spcPts val="1000"/>
+              </a:spcBef>
+              <a:buClr>
+                <a:schemeClr val="tx1"/>
+              </a:buClr>
+            </a:pPr>
+            <a:endParaRPr lang="en-US" sz="3200" cap="all">
+              <a:solidFill>
+                <a:schemeClr val="bg1">
+                  <a:lumMod val="50000"/>
+                </a:schemeClr>
+              </a:solidFill>
+            </a:endParaRPr>
+          </a:p>
+        </p:txBody>
+      </p:sp>
+      <p:pic>
+        <p:nvPicPr>
+          <p:cNvPr id="7" name="Picture 6">
+            <a:extLst>
+              <a:ext uri="{FF2B5EF4-FFF2-40B4-BE49-F238E27FC236}">
+                <a16:creationId xmlns:a16="http://schemas.microsoft.com/office/drawing/2014/main" id="{86450F73-4DBD-4DD9-9C33-D0B5F6BFB2B7}"/>
+              </a:ext>
+            </a:extLst>
+          </p:cNvPr>
+          <p:cNvPicPr>
+            <a:picLocks noChangeAspect="1"/>
+          </p:cNvPicPr>
+          <p:nvPr/>
+        </p:nvPicPr>
+        <p:blipFill>
+          <a:blip r:embed="rId6"/>
+          <a:stretch>
+            <a:fillRect/>
+          </a:stretch>
+        </p:blipFill>
+        <p:spPr>
+          <a:xfrm>
+            <a:off x="3760715" y="1649833"/>
+            <a:ext cx="2075688" cy="2075688"/>
+          </a:xfrm>
+          <a:prstGeom prst="rect">
+            <a:avLst/>
+          </a:prstGeom>
+        </p:spPr>
+      </p:pic>
+      <p:pic>
+        <p:nvPicPr>
+          <p:cNvPr id="32" name="Picture 31">
+            <a:extLst>
+              <a:ext uri="{FF2B5EF4-FFF2-40B4-BE49-F238E27FC236}">
+                <a16:creationId xmlns:a16="http://schemas.microsoft.com/office/drawing/2014/main" id="{BFE30856-FC74-4D2D-9BC5-EDE21B0F3DB8}"/>
+              </a:ext>
+              <a:ext uri="{C183D7F6-B498-43B3-948B-1728B52AA6E4}">
+                <adec:decorative xmlns:adec="http://schemas.microsoft.com/office/drawing/2017/decorative" val="1"/>
+              </a:ext>
+            </a:extLst>
+          </p:cNvPr>
+          <p:cNvPicPr>
+            <a:picLocks noGrp="1" noRot="1" noChangeAspect="1" noMove="1" noResize="1" noEditPoints="1" noAdjustHandles="1" noChangeArrowheads="1" noChangeShapeType="1" noCrop="1"/>
+          </p:cNvPicPr>
+          <p:nvPr>
+            <p:extLst>
+              <p:ext uri="{386F3935-93C4-4BCD-93E2-E3B085C9AB24}">
+                <p16:designElem xmlns:p16="http://schemas.microsoft.com/office/powerpoint/2015/main" val="1"/>
+              </p:ext>
+            </p:extLst>
+          </p:nvPr>
+        </p:nvPicPr>
+        <p:blipFill>
+          <a:blip r:embed="rId3">
+            <a:extLst>
+              <a:ext uri="{28A0092B-C50C-407E-A947-70E740481C1C}">
+                <a14:useLocalDpi xmlns:a14="http://schemas.microsoft.com/office/drawing/2010/main" val="0"/>
+              </a:ext>
+            </a:extLst>
+          </a:blip>
+          <a:stretch>
+            <a:fillRect/>
+          </a:stretch>
+        </p:blipFill>
+        <p:spPr>
+          <a:xfrm>
+            <a:off x="-290" y="-1"/>
+            <a:ext cx="12192000" cy="6858000"/>
+          </a:xfrm>
+          <a:prstGeom prst="rect">
+            <a:avLst/>
+          </a:prstGeom>
+        </p:spPr>
+      </p:pic>
+      <p:pic>
+        <p:nvPicPr>
+          <p:cNvPr id="5" name="Content Placeholder 4">
+            <a:extLst>
+              <a:ext uri="{FF2B5EF4-FFF2-40B4-BE49-F238E27FC236}">
+                <a16:creationId xmlns:a16="http://schemas.microsoft.com/office/drawing/2014/main" id="{832956F0-247C-4E88-B1AF-1524408867B0}"/>
+              </a:ext>
+            </a:extLst>
+          </p:cNvPr>
+          <p:cNvPicPr>
+            <a:picLocks noGrp="1" noChangeAspect="1"/>
+          </p:cNvPicPr>
+          <p:nvPr>
+            <p:ph sz="quarter" idx="13"/>
+          </p:nvPr>
+        </p:nvPicPr>
+        <p:blipFill>
+          <a:blip r:embed="rId7"/>
+          <a:stretch>
+            <a:fillRect/>
+          </a:stretch>
+        </p:blipFill>
+        <p:spPr>
+          <a:xfrm>
+            <a:off x="9082597" y="1580522"/>
+            <a:ext cx="2075688" cy="2075688"/>
+          </a:xfrm>
+          <a:prstGeom prst="rect">
+            <a:avLst/>
+          </a:prstGeom>
+        </p:spPr>
+      </p:pic>
+      <p:sp>
+        <p:nvSpPr>
+          <p:cNvPr id="2" name="Title 1">
+            <a:extLst>
+              <a:ext uri="{FF2B5EF4-FFF2-40B4-BE49-F238E27FC236}">
+                <a16:creationId xmlns:a16="http://schemas.microsoft.com/office/drawing/2014/main" id="{6284CF37-412A-4B8F-B7F3-342BC5A07A2B}"/>
+              </a:ext>
+            </a:extLst>
+          </p:cNvPr>
+          <p:cNvSpPr>
+            <a:spLocks noGrp="1"/>
+          </p:cNvSpPr>
+          <p:nvPr>
+            <p:ph type="title"/>
+          </p:nvPr>
+        </p:nvSpPr>
+        <p:spPr>
+          <a:xfrm>
+            <a:off x="635211" y="4181277"/>
+            <a:ext cx="10916365" cy="1220158"/>
+          </a:xfrm>
+        </p:spPr>
+        <p:txBody>
+          <a:bodyPr vert="horz" lIns="91440" tIns="45720" rIns="91440" bIns="45720" rtlCol="0" anchor="b">
+            <a:normAutofit/>
+          </a:bodyPr>
+          <a:lstStyle/>
+          <a:p>
+            <a:r>
+              <a:rPr lang="en-US" sz="4800"/>
+              <a:t>javascript</a:t>
+            </a:r>
+          </a:p>
+        </p:txBody>
+      </p:sp>
+    </p:spTree>
+    <p:extLst>
+      <p:ext uri="{BB962C8B-B14F-4D97-AF65-F5344CB8AC3E}">
+        <p14:creationId xmlns:p14="http://schemas.microsoft.com/office/powerpoint/2010/main" val="122479353"/>
+      </p:ext>
+    </p:extLst>
+  </p:cSld>
+  <p:clrMapOvr>
+    <a:masterClrMapping/>
+  </p:clrMapOvr>
+  <p:timing>
+    <p:tnLst>
+      <p:par>
+        <p:cTn id="1" dur="indefinite" restart="never" nodeType="tmRoot">
+          <p:childTnLst>
+            <p:seq concurrent="1" nextAc="seek">
+              <p:cTn id="2" dur="indefinite" nodeType="mainSeq">
+                <p:childTnLst>
+                  <p:par>
+                    <p:cTn id="3" fill="hold">
+                      <p:stCondLst>
+                        <p:cond delay="indefinite"/>
+                      </p:stCondLst>
+                      <p:childTnLst>
+                        <p:par>
+                          <p:cTn id="4" fill="hold">
+                            <p:stCondLst>
+                              <p:cond delay="0"/>
+                            </p:stCondLst>
+                            <p:childTnLst>
+                              <p:par>
+                                <p:cTn id="5" presetID="1" presetClass="entr" presetSubtype="0" fill="hold" nodeType="clickEffect">
+                                  <p:stCondLst>
+                                    <p:cond delay="0"/>
+                                  </p:stCondLst>
+                                  <p:childTnLst>
+                                    <p:set>
+                                      <p:cBhvr>
+                                        <p:cTn id="6" dur="1" fill="hold">
+                                          <p:stCondLst>
+                                            <p:cond delay="0"/>
+                                          </p:stCondLst>
+                                        </p:cTn>
+                                        <p:tgtEl>
+                                          <p:spTgt spid="11"/>
+                                        </p:tgtEl>
+                                        <p:attrNameLst>
+                                          <p:attrName>style.visibility</p:attrName>
+                                        </p:attrNameLst>
+                                      </p:cBhvr>
+                                      <p:to>
+                                        <p:strVal val="visible"/>
+                                      </p:to>
+                                    </p:set>
+                                  </p:childTnLst>
+                                </p:cTn>
+                              </p:par>
+                            </p:childTnLst>
+                          </p:cTn>
+                        </p:par>
+                      </p:childTnLst>
+                    </p:cTn>
+                  </p:par>
+                  <p:par>
+                    <p:cTn id="7" fill="hold">
+                      <p:stCondLst>
+                        <p:cond delay="indefinite"/>
+                      </p:stCondLst>
+                      <p:childTnLst>
+                        <p:par>
+                          <p:cTn id="8" fill="hold">
+                            <p:stCondLst>
+                              <p:cond delay="0"/>
+                            </p:stCondLst>
+                            <p:childTnLst>
+                              <p:par>
+                                <p:cTn id="9" presetID="1" presetClass="entr" presetSubtype="0" fill="hold" nodeType="clickEffect">
+                                  <p:stCondLst>
+                                    <p:cond delay="0"/>
+                                  </p:stCondLst>
+                                  <p:childTnLst>
+                                    <p:set>
+                                      <p:cBhvr>
+                                        <p:cTn id="10" dur="1" fill="hold">
+                                          <p:stCondLst>
+                                            <p:cond delay="0"/>
+                                          </p:stCondLst>
+                                        </p:cTn>
+                                        <p:tgtEl>
+                                          <p:spTgt spid="5"/>
+                                        </p:tgtEl>
+                                        <p:attrNameLst>
+                                          <p:attrName>style.visibility</p:attrName>
+                                        </p:attrNameLst>
+                                      </p:cBhvr>
+                                      <p:to>
+                                        <p:strVal val="visible"/>
+                                      </p:to>
+                                    </p:set>
+                                  </p:childTnLst>
+                                </p:cTn>
+                              </p:par>
+                            </p:childTnLst>
+                          </p:cTn>
+                        </p:par>
+                      </p:childTnLst>
+                    </p:cTn>
+                  </p:par>
+                </p:childTnLst>
+              </p:cTn>
+              <p:prevCondLst>
+                <p:cond evt="onPrev" delay="0">
+                  <p:tgtEl>
+                    <p:sldTgt/>
+                  </p:tgtEl>
+                </p:cond>
+              </p:prevCondLst>
+              <p:nextCondLst>
+                <p:cond evt="onNext" delay="0">
+                  <p:tgtEl>
+                    <p:sldTgt/>
+                  </p:tgtEl>
+                </p:cond>
+              </p:nextCondLst>
+            </p:seq>
+          </p:childTnLst>
+        </p:cTn>
+      </p:par>
+    </p:tnLst>
+  </p:timing>
+</p:sld>
+</file>
+
+<file path=ppt/slides/slide11.xml><?xml version="1.0" encoding="utf-8"?>
+<p:sld xmlns:a="http://schemas.openxmlformats.org/drawingml/2006/main" xmlns:r="http://schemas.openxmlformats.org/officeDocument/2006/relationships" xmlns:p="http://schemas.openxmlformats.org/presentationml/2006/main">
+  <p:cSld>
+    <p:bg>
+      <p:bgPr>
+        <a:gradFill rotWithShape="1">
+          <a:gsLst>
+            <a:gs pos="0">
+              <a:schemeClr val="bg1">
+                <a:tint val="90000"/>
+                <a:lumMod val="110000"/>
+              </a:schemeClr>
+            </a:gs>
+            <a:gs pos="100000">
+              <a:schemeClr val="bg1">
+                <a:shade val="64000"/>
+                <a:lumMod val="88000"/>
+              </a:schemeClr>
+            </a:gs>
+          </a:gsLst>
+          <a:lin ang="5400000" scaled="0"/>
+        </a:gradFill>
+        <a:effectLst/>
+      </p:bgPr>
+    </p:bg>
+    <p:spTree>
+      <p:nvGrpSpPr>
+        <p:cNvPr id="1" name=""/>
+        <p:cNvGrpSpPr/>
+        <p:nvPr/>
+      </p:nvGrpSpPr>
+      <p:grpSpPr>
+        <a:xfrm>
+          <a:off x="0" y="0"/>
+          <a:ext cx="0" cy="0"/>
+          <a:chOff x="0" y="0"/>
+          <a:chExt cx="0" cy="0"/>
+        </a:xfrm>
+      </p:grpSpPr>
       <p:sp useBgFill="1">
         <p:nvSpPr>
           <p:cNvPr id="12" name="Rectangle 11">
@@ -9409,7 +10335,7 @@
 </p:sld>
 </file>
 
-<file path=ppt/slides/slide11.xml><?xml version="1.0" encoding="utf-8"?>
+<file path=ppt/slides/slide12.xml><?xml version="1.0" encoding="utf-8"?>
 <p:sld xmlns:a="http://schemas.openxmlformats.org/drawingml/2006/main" xmlns:r="http://schemas.openxmlformats.org/officeDocument/2006/relationships" xmlns:p="http://schemas.openxmlformats.org/presentationml/2006/main">
   <p:cSld>
     <p:bg>
@@ -9981,6 +10907,171 @@
           <p:cNvPr id="2" name="Title 1">
             <a:extLst>
               <a:ext uri="{FF2B5EF4-FFF2-40B4-BE49-F238E27FC236}">
+                <a16:creationId xmlns:a16="http://schemas.microsoft.com/office/drawing/2014/main" id="{DEA4ED58-6281-440A-B090-482C171DE745}"/>
+              </a:ext>
+            </a:extLst>
+          </p:cNvPr>
+          <p:cNvSpPr>
+            <a:spLocks noGrp="1"/>
+          </p:cNvSpPr>
+          <p:nvPr>
+            <p:ph type="title"/>
+          </p:nvPr>
+        </p:nvSpPr>
+        <p:spPr/>
+        <p:txBody>
+          <a:bodyPr/>
+          <a:lstStyle/>
+          <a:p>
+            <a:r>
+              <a:rPr lang="en-US" dirty="0"/>
+              <a:t>Welcome to BJD</a:t>
+            </a:r>
+            <a:br>
+              <a:rPr lang="en-US" dirty="0"/>
+            </a:br>
+            <a:r>
+              <a:rPr lang="en-US" dirty="0"/>
+              <a:t>find us here</a:t>
+            </a:r>
+          </a:p>
+        </p:txBody>
+      </p:sp>
+      <p:sp>
+        <p:nvSpPr>
+          <p:cNvPr id="3" name="Content Placeholder 2">
+            <a:extLst>
+              <a:ext uri="{FF2B5EF4-FFF2-40B4-BE49-F238E27FC236}">
+                <a16:creationId xmlns:a16="http://schemas.microsoft.com/office/drawing/2014/main" id="{EE5D5E59-3401-4CBD-BC51-8BCE0D02E93A}"/>
+              </a:ext>
+            </a:extLst>
+          </p:cNvPr>
+          <p:cNvSpPr>
+            <a:spLocks noGrp="1"/>
+          </p:cNvSpPr>
+          <p:nvPr>
+            <p:ph sz="quarter" idx="13"/>
+          </p:nvPr>
+        </p:nvSpPr>
+        <p:spPr/>
+        <p:txBody>
+          <a:bodyPr/>
+          <a:lstStyle/>
+          <a:p>
+            <a:r>
+              <a:rPr lang="en-US" dirty="0"/>
+              <a:t>Twitter</a:t>
+            </a:r>
+          </a:p>
+          <a:p>
+            <a:r>
+              <a:rPr lang="en-US" dirty="0"/>
+              <a:t>@</a:t>
+            </a:r>
+            <a:r>
+              <a:rPr lang="en-US" cap="none"/>
+              <a:t>JavascriptDojo</a:t>
+            </a:r>
+            <a:endParaRPr lang="en-US" dirty="0"/>
+          </a:p>
+        </p:txBody>
+      </p:sp>
+      <p:sp>
+        <p:nvSpPr>
+          <p:cNvPr id="4" name="Content Placeholder 3">
+            <a:extLst>
+              <a:ext uri="{FF2B5EF4-FFF2-40B4-BE49-F238E27FC236}">
+                <a16:creationId xmlns:a16="http://schemas.microsoft.com/office/drawing/2014/main" id="{D9299DBB-A2ED-426B-8322-56FB0103FEA2}"/>
+              </a:ext>
+            </a:extLst>
+          </p:cNvPr>
+          <p:cNvSpPr>
+            <a:spLocks noGrp="1"/>
+          </p:cNvSpPr>
+          <p:nvPr>
+            <p:ph sz="quarter" idx="14"/>
+          </p:nvPr>
+        </p:nvSpPr>
+        <p:spPr/>
+        <p:txBody>
+          <a:bodyPr/>
+          <a:lstStyle/>
+          <a:p>
+            <a:r>
+              <a:rPr lang="en-US" dirty="0"/>
+              <a:t>Join us on Slack</a:t>
+            </a:r>
+          </a:p>
+          <a:p>
+            <a:endParaRPr lang="en-US" dirty="0"/>
+          </a:p>
+        </p:txBody>
+      </p:sp>
+      <p:pic>
+        <p:nvPicPr>
+          <p:cNvPr id="6" name="Picture 5" descr="A close up of a sign&#10;&#10;Description automatically generated">
+            <a:extLst>
+              <a:ext uri="{FF2B5EF4-FFF2-40B4-BE49-F238E27FC236}">
+                <a16:creationId xmlns:a16="http://schemas.microsoft.com/office/drawing/2014/main" id="{D693664A-1802-4471-8127-A37D2227502E}"/>
+              </a:ext>
+            </a:extLst>
+          </p:cNvPr>
+          <p:cNvPicPr>
+            <a:picLocks noChangeAspect="1"/>
+          </p:cNvPicPr>
+          <p:nvPr/>
+        </p:nvPicPr>
+        <p:blipFill>
+          <a:blip r:embed="rId2"/>
+          <a:stretch>
+            <a:fillRect/>
+          </a:stretch>
+        </p:blipFill>
+        <p:spPr>
+          <a:xfrm>
+            <a:off x="6438898" y="2939141"/>
+            <a:ext cx="3559629" cy="3559629"/>
+          </a:xfrm>
+          <a:prstGeom prst="rect">
+            <a:avLst/>
+          </a:prstGeom>
+        </p:spPr>
+      </p:pic>
+    </p:spTree>
+    <p:extLst>
+      <p:ext uri="{BB962C8B-B14F-4D97-AF65-F5344CB8AC3E}">
+        <p14:creationId xmlns:p14="http://schemas.microsoft.com/office/powerpoint/2010/main" val="3223587466"/>
+      </p:ext>
+    </p:extLst>
+  </p:cSld>
+  <p:clrMapOvr>
+    <a:masterClrMapping/>
+  </p:clrMapOvr>
+</p:sld>
+</file>
+
+<file path=ppt/slides/slide3.xml><?xml version="1.0" encoding="utf-8"?>
+<p:sld xmlns:a="http://schemas.openxmlformats.org/drawingml/2006/main" xmlns:r="http://schemas.openxmlformats.org/officeDocument/2006/relationships" xmlns:p="http://schemas.openxmlformats.org/presentationml/2006/main">
+  <p:cSld>
+    <p:spTree>
+      <p:nvGrpSpPr>
+        <p:cNvPr id="1" name=""/>
+        <p:cNvGrpSpPr/>
+        <p:nvPr/>
+      </p:nvGrpSpPr>
+      <p:grpSpPr>
+        <a:xfrm>
+          <a:off x="0" y="0"/>
+          <a:ext cx="0" cy="0"/>
+          <a:chOff x="0" y="0"/>
+          <a:chExt cx="0" cy="0"/>
+        </a:xfrm>
+      </p:grpSpPr>
+      <p:sp>
+        <p:nvSpPr>
+          <p:cNvPr id="2" name="Title 1">
+            <a:extLst>
+              <a:ext uri="{FF2B5EF4-FFF2-40B4-BE49-F238E27FC236}">
                 <a16:creationId xmlns:a16="http://schemas.microsoft.com/office/drawing/2014/main" id="{21614BA0-F431-4554-9C38-C78DF77DEEA0}"/>
               </a:ext>
             </a:extLst>
@@ -10321,7 +11412,7 @@
 </p:sld>
 </file>
 
-<file path=ppt/slides/slide3.xml><?xml version="1.0" encoding="utf-8"?>
+<file path=ppt/slides/slide4.xml><?xml version="1.0" encoding="utf-8"?>
 <p:sld xmlns:a="http://schemas.openxmlformats.org/drawingml/2006/main" xmlns:r="http://schemas.openxmlformats.org/officeDocument/2006/relationships" xmlns:p="http://schemas.openxmlformats.org/presentationml/2006/main">
   <p:cSld>
     <p:spTree>
@@ -10469,7 +11560,7 @@
 </p:sld>
 </file>
 
-<file path=ppt/slides/slide4.xml><?xml version="1.0" encoding="utf-8"?>
+<file path=ppt/slides/slide5.xml><?xml version="1.0" encoding="utf-8"?>
 <p:sld xmlns:a="http://schemas.openxmlformats.org/drawingml/2006/main" xmlns:r="http://schemas.openxmlformats.org/officeDocument/2006/relationships" xmlns:p="http://schemas.openxmlformats.org/presentationml/2006/main">
   <p:cSld>
     <p:bg>
@@ -11338,7 +12429,7 @@
 </p:sld>
 </file>
 
-<file path=ppt/slides/slide5.xml><?xml version="1.0" encoding="utf-8"?>
+<file path=ppt/slides/slide6.xml><?xml version="1.0" encoding="utf-8"?>
 <p:sld xmlns:a="http://schemas.openxmlformats.org/drawingml/2006/main" xmlns:r="http://schemas.openxmlformats.org/officeDocument/2006/relationships" xmlns:p="http://schemas.openxmlformats.org/presentationml/2006/main">
   <p:cSld>
     <p:bg>
@@ -11675,7 +12766,7 @@
 </p:sld>
 </file>
 
-<file path=ppt/slides/slide6.xml><?xml version="1.0" encoding="utf-8"?>
+<file path=ppt/slides/slide7.xml><?xml version="1.0" encoding="utf-8"?>
 <p:sld xmlns:a="http://schemas.openxmlformats.org/drawingml/2006/main" xmlns:r="http://schemas.openxmlformats.org/officeDocument/2006/relationships" xmlns:p="http://schemas.openxmlformats.org/presentationml/2006/main">
   <p:cSld>
     <p:bg>
@@ -12543,7 +13634,7 @@
 </p:sld>
 </file>
 
-<file path=ppt/slides/slide7.xml><?xml version="1.0" encoding="utf-8"?>
+<file path=ppt/slides/slide8.xml><?xml version="1.0" encoding="utf-8"?>
 <p:sld xmlns:a="http://schemas.openxmlformats.org/drawingml/2006/main" xmlns:r="http://schemas.openxmlformats.org/officeDocument/2006/relationships" xmlns:p="http://schemas.openxmlformats.org/presentationml/2006/main">
   <p:cSld>
     <p:bg>
@@ -12829,7 +13920,7 @@
 </p:sld>
 </file>
 
-<file path=ppt/slides/slide8.xml><?xml version="1.0" encoding="utf-8"?>
+<file path=ppt/slides/slide9.xml><?xml version="1.0" encoding="utf-8"?>
 <p:sld xmlns:a="http://schemas.openxmlformats.org/drawingml/2006/main" xmlns:r="http://schemas.openxmlformats.org/officeDocument/2006/relationships" xmlns:p="http://schemas.openxmlformats.org/presentationml/2006/main">
   <p:cSld>
     <p:bg>
@@ -13173,931 +14264,6 @@
   <p:clrMapOvr>
     <a:masterClrMapping/>
   </p:clrMapOvr>
-</p:sld>
-</file>
-
-<file path=ppt/slides/slide9.xml><?xml version="1.0" encoding="utf-8"?>
-<p:sld xmlns:a="http://schemas.openxmlformats.org/drawingml/2006/main" xmlns:r="http://schemas.openxmlformats.org/officeDocument/2006/relationships" xmlns:p="http://schemas.openxmlformats.org/presentationml/2006/main">
-  <p:cSld>
-    <p:bg>
-      <p:bgPr>
-        <a:gradFill rotWithShape="1">
-          <a:gsLst>
-            <a:gs pos="0">
-              <a:schemeClr val="bg1">
-                <a:tint val="90000"/>
-                <a:lumMod val="110000"/>
-              </a:schemeClr>
-            </a:gs>
-            <a:gs pos="100000">
-              <a:schemeClr val="bg1">
-                <a:shade val="64000"/>
-                <a:lumMod val="88000"/>
-              </a:schemeClr>
-            </a:gs>
-          </a:gsLst>
-          <a:lin ang="5400000" scaled="0"/>
-        </a:gradFill>
-        <a:effectLst/>
-      </p:bgPr>
-    </p:bg>
-    <p:spTree>
-      <p:nvGrpSpPr>
-        <p:cNvPr id="1" name=""/>
-        <p:cNvGrpSpPr/>
-        <p:nvPr/>
-      </p:nvGrpSpPr>
-      <p:grpSpPr>
-        <a:xfrm>
-          <a:off x="0" y="0"/>
-          <a:ext cx="0" cy="0"/>
-          <a:chOff x="0" y="0"/>
-          <a:chExt cx="0" cy="0"/>
-        </a:xfrm>
-      </p:grpSpPr>
-      <p:pic>
-        <p:nvPicPr>
-          <p:cNvPr id="16" name="Picture 2">
-            <a:extLst>
-              <a:ext uri="{FF2B5EF4-FFF2-40B4-BE49-F238E27FC236}">
-                <a16:creationId xmlns:a16="http://schemas.microsoft.com/office/drawing/2014/main" id="{E329ADF2-0541-4770-8D6F-7F7392064B14}"/>
-              </a:ext>
-              <a:ext uri="{C183D7F6-B498-43B3-948B-1728B52AA6E4}">
-                <adec:decorative xmlns:adec="http://schemas.microsoft.com/office/drawing/2017/decorative" val="1"/>
-              </a:ext>
-            </a:extLst>
-          </p:cNvPr>
-          <p:cNvPicPr>
-            <a:picLocks noGrp="1" noRot="1" noChangeAspect="1" noMove="1" noResize="1" noEditPoints="1" noAdjustHandles="1" noChangeArrowheads="1" noChangeShapeType="1" noCrop="1"/>
-          </p:cNvPicPr>
-          <p:nvPr>
-            <p:extLst>
-              <p:ext uri="{386F3935-93C4-4BCD-93E2-E3B085C9AB24}">
-                <p16:designElem xmlns:p16="http://schemas.microsoft.com/office/powerpoint/2015/main" val="1"/>
-              </p:ext>
-            </p:extLst>
-          </p:nvPr>
-        </p:nvPicPr>
-        <p:blipFill>
-          <a:blip r:embed="rId2">
-            <a:alphaModFix/>
-            <a:extLst>
-              <a:ext uri="{28A0092B-C50C-407E-A947-70E740481C1C}">
-                <a14:useLocalDpi xmlns:a14="http://schemas.microsoft.com/office/drawing/2010/main" val="0"/>
-              </a:ext>
-            </a:extLst>
-          </a:blip>
-          <a:srcRect/>
-          <a:stretch>
-            <a:fillRect/>
-          </a:stretch>
-        </p:blipFill>
-        <p:spPr bwMode="auto">
-          <a:xfrm>
-            <a:off x="0" y="-1"/>
-            <a:ext cx="12192003" cy="6858001"/>
-          </a:xfrm>
-          <a:prstGeom prst="rect">
-            <a:avLst/>
-          </a:prstGeom>
-          <a:noFill/>
-          <a:extLst>
-            <a:ext uri="{909E8E84-426E-40DD-AFC4-6F175D3DCCD1}">
-              <a14:hiddenFill xmlns:a14="http://schemas.microsoft.com/office/drawing/2010/main">
-                <a:solidFill>
-                  <a:srgbClr val="FFFFFF"/>
-                </a:solidFill>
-              </a14:hiddenFill>
-            </a:ext>
-          </a:extLst>
-        </p:spPr>
-      </p:pic>
-      <p:pic>
-        <p:nvPicPr>
-          <p:cNvPr id="18" name="Picture 17">
-            <a:extLst>
-              <a:ext uri="{FF2B5EF4-FFF2-40B4-BE49-F238E27FC236}">
-                <a16:creationId xmlns:a16="http://schemas.microsoft.com/office/drawing/2014/main" id="{DB042749-FB5E-4C0B-867D-6D25FB5FF0AA}"/>
-              </a:ext>
-              <a:ext uri="{C183D7F6-B498-43B3-948B-1728B52AA6E4}">
-                <adec:decorative xmlns:adec="http://schemas.microsoft.com/office/drawing/2017/decorative" val="1"/>
-              </a:ext>
-            </a:extLst>
-          </p:cNvPr>
-          <p:cNvPicPr>
-            <a:picLocks noGrp="1" noRot="1" noChangeAspect="1" noMove="1" noResize="1" noEditPoints="1" noAdjustHandles="1" noChangeArrowheads="1" noChangeShapeType="1" noCrop="1"/>
-          </p:cNvPicPr>
-          <p:nvPr>
-            <p:extLst>
-              <p:ext uri="{386F3935-93C4-4BCD-93E2-E3B085C9AB24}">
-                <p16:designElem xmlns:p16="http://schemas.microsoft.com/office/powerpoint/2015/main" val="1"/>
-              </p:ext>
-            </p:extLst>
-          </p:nvPr>
-        </p:nvPicPr>
-        <p:blipFill>
-          <a:blip r:embed="rId3">
-            <a:extLst>
-              <a:ext uri="{28A0092B-C50C-407E-A947-70E740481C1C}">
-                <a14:useLocalDpi xmlns:a14="http://schemas.microsoft.com/office/drawing/2010/main" val="0"/>
-              </a:ext>
-            </a:extLst>
-          </a:blip>
-          <a:stretch>
-            <a:fillRect/>
-          </a:stretch>
-        </p:blipFill>
-        <p:spPr>
-          <a:xfrm>
-            <a:off x="0" y="0"/>
-            <a:ext cx="12192000" cy="6858000"/>
-          </a:xfrm>
-          <a:prstGeom prst="rect">
-            <a:avLst/>
-          </a:prstGeom>
-        </p:spPr>
-      </p:pic>
-      <p:sp useBgFill="1">
-        <p:nvSpPr>
-          <p:cNvPr id="20" name="Rectangle 19">
-            <a:extLst>
-              <a:ext uri="{FF2B5EF4-FFF2-40B4-BE49-F238E27FC236}">
-                <a16:creationId xmlns:a16="http://schemas.microsoft.com/office/drawing/2014/main" id="{68D4C855-B6A7-4C04-A274-7295D03AA6AA}"/>
-              </a:ext>
-              <a:ext uri="{C183D7F6-B498-43B3-948B-1728B52AA6E4}">
-                <adec:decorative xmlns:adec="http://schemas.microsoft.com/office/drawing/2017/decorative" val="1"/>
-              </a:ext>
-            </a:extLst>
-          </p:cNvPr>
-          <p:cNvSpPr>
-            <a:spLocks noGrp="1" noRot="1" noChangeAspect="1" noMove="1" noResize="1" noEditPoints="1" noAdjustHandles="1" noChangeArrowheads="1" noChangeShapeType="1" noTextEdit="1"/>
-          </p:cNvSpPr>
-          <p:nvPr>
-            <p:extLst>
-              <p:ext uri="{386F3935-93C4-4BCD-93E2-E3B085C9AB24}">
-                <p16:designElem xmlns:p16="http://schemas.microsoft.com/office/powerpoint/2015/main" val="1"/>
-              </p:ext>
-            </p:extLst>
-          </p:nvPr>
-        </p:nvSpPr>
-        <p:spPr>
-          <a:xfrm>
-            <a:off x="0" y="0"/>
-            <a:ext cx="12192000" cy="6858000"/>
-          </a:xfrm>
-          <a:prstGeom prst="rect">
-            <a:avLst/>
-          </a:prstGeom>
-          <a:ln>
-            <a:noFill/>
-          </a:ln>
-        </p:spPr>
-        <p:style>
-          <a:lnRef idx="2">
-            <a:schemeClr val="accent1">
-              <a:shade val="50000"/>
-            </a:schemeClr>
-          </a:lnRef>
-          <a:fillRef idx="1">
-            <a:schemeClr val="accent1"/>
-          </a:fillRef>
-          <a:effectRef idx="0">
-            <a:schemeClr val="accent1"/>
-          </a:effectRef>
-          <a:fontRef idx="minor">
-            <a:schemeClr val="lt1"/>
-          </a:fontRef>
-        </p:style>
-        <p:txBody>
-          <a:bodyPr rtlCol="0" anchor="ctr"/>
-          <a:lstStyle/>
-          <a:p>
-            <a:pPr algn="ctr"/>
-            <a:endParaRPr lang="en-US"/>
-          </a:p>
-        </p:txBody>
-      </p:sp>
-      <p:pic>
-        <p:nvPicPr>
-          <p:cNvPr id="22" name="Picture 2">
-            <a:extLst>
-              <a:ext uri="{FF2B5EF4-FFF2-40B4-BE49-F238E27FC236}">
-                <a16:creationId xmlns:a16="http://schemas.microsoft.com/office/drawing/2014/main" id="{718CD397-1B79-4061-ADE0-AD7083A267D8}"/>
-              </a:ext>
-              <a:ext uri="{C183D7F6-B498-43B3-948B-1728B52AA6E4}">
-                <adec:decorative xmlns:adec="http://schemas.microsoft.com/office/drawing/2017/decorative" val="1"/>
-              </a:ext>
-            </a:extLst>
-          </p:cNvPr>
-          <p:cNvPicPr>
-            <a:picLocks noGrp="1" noRot="1" noChangeAspect="1" noMove="1" noResize="1" noEditPoints="1" noAdjustHandles="1" noChangeArrowheads="1" noChangeShapeType="1" noCrop="1"/>
-          </p:cNvPicPr>
-          <p:nvPr>
-            <p:extLst>
-              <p:ext uri="{386F3935-93C4-4BCD-93E2-E3B085C9AB24}">
-                <p16:designElem xmlns:p16="http://schemas.microsoft.com/office/powerpoint/2015/main" val="1"/>
-              </p:ext>
-            </p:extLst>
-          </p:nvPr>
-        </p:nvPicPr>
-        <p:blipFill>
-          <a:blip r:embed="rId2">
-            <a:alphaModFix/>
-            <a:extLst>
-              <a:ext uri="{28A0092B-C50C-407E-A947-70E740481C1C}">
-                <a14:useLocalDpi xmlns:a14="http://schemas.microsoft.com/office/drawing/2010/main" val="0"/>
-              </a:ext>
-            </a:extLst>
-          </a:blip>
-          <a:srcRect/>
-          <a:stretch>
-            <a:fillRect/>
-          </a:stretch>
-        </p:blipFill>
-        <p:spPr bwMode="auto">
-          <a:xfrm>
-            <a:off x="0" y="-1"/>
-            <a:ext cx="12192003" cy="6858001"/>
-          </a:xfrm>
-          <a:prstGeom prst="rect">
-            <a:avLst/>
-          </a:prstGeom>
-          <a:noFill/>
-          <a:extLst>
-            <a:ext uri="{909E8E84-426E-40DD-AFC4-6F175D3DCCD1}">
-              <a14:hiddenFill xmlns:a14="http://schemas.microsoft.com/office/drawing/2010/main">
-                <a:solidFill>
-                  <a:srgbClr val="FFFFFF"/>
-                </a:solidFill>
-              </a14:hiddenFill>
-            </a:ext>
-          </a:extLst>
-        </p:spPr>
-      </p:pic>
-      <p:sp>
-        <p:nvSpPr>
-          <p:cNvPr id="24" name="Rounded Rectangle 11">
-            <a:extLst>
-              <a:ext uri="{FF2B5EF4-FFF2-40B4-BE49-F238E27FC236}">
-                <a16:creationId xmlns:a16="http://schemas.microsoft.com/office/drawing/2014/main" id="{CD1DABED-DF86-4D7D-9858-A8E0CB0C5E4E}"/>
-              </a:ext>
-              <a:ext uri="{C183D7F6-B498-43B3-948B-1728B52AA6E4}">
-                <adec:decorative xmlns:adec="http://schemas.microsoft.com/office/drawing/2017/decorative" val="1"/>
-              </a:ext>
-            </a:extLst>
-          </p:cNvPr>
-          <p:cNvSpPr>
-            <a:spLocks noGrp="1" noRot="1" noChangeAspect="1" noMove="1" noResize="1" noEditPoints="1" noAdjustHandles="1" noChangeArrowheads="1" noChangeShapeType="1" noTextEdit="1"/>
-          </p:cNvSpPr>
-          <p:nvPr>
-            <p:extLst>
-              <p:ext uri="{386F3935-93C4-4BCD-93E2-E3B085C9AB24}">
-                <p16:designElem xmlns:p16="http://schemas.microsoft.com/office/powerpoint/2015/main" val="1"/>
-              </p:ext>
-            </p:extLst>
-          </p:nvPr>
-        </p:nvSpPr>
-        <p:spPr>
-          <a:xfrm>
-            <a:off x="999954" y="1403597"/>
-            <a:ext cx="2407450" cy="2631486"/>
-          </a:xfrm>
-          <a:prstGeom prst="roundRect">
-            <a:avLst>
-              <a:gd name="adj" fmla="val 5241"/>
-            </a:avLst>
-          </a:prstGeom>
-          <a:solidFill>
-            <a:srgbClr val="FFFFFF"/>
-          </a:solidFill>
-          <a:ln w="82550" cap="sq">
-            <a:solidFill>
-              <a:srgbClr val="EAEAEA"/>
-            </a:solidFill>
-            <a:miter lim="800000"/>
-          </a:ln>
-          <a:effectLst/>
-          <a:scene3d>
-            <a:camera prst="orthographicFront"/>
-            <a:lightRig rig="threePt" dir="t">
-              <a:rot lat="0" lon="0" rev="2700000"/>
-            </a:lightRig>
-          </a:scene3d>
-          <a:sp3d contourW="6350">
-            <a:bevelT h="38100"/>
-            <a:contourClr>
-              <a:srgbClr val="C0C0C0"/>
-            </a:contourClr>
-          </a:sp3d>
-        </p:spPr>
-        <p:txBody>
-          <a:bodyPr vert="horz" lIns="91440" tIns="45720" rIns="91440" bIns="45720" rtlCol="0" anchor="t">
-            <a:normAutofit/>
-          </a:bodyPr>
-          <a:lstStyle/>
-          <a:p>
-            <a:pPr algn="ctr">
-              <a:lnSpc>
-                <a:spcPct val="120000"/>
-              </a:lnSpc>
-              <a:spcBef>
-                <a:spcPts val="1000"/>
-              </a:spcBef>
-              <a:buClr>
-                <a:schemeClr val="tx1"/>
-              </a:buClr>
-            </a:pPr>
-            <a:endParaRPr lang="en-US" sz="3200" cap="all">
-              <a:solidFill>
-                <a:schemeClr val="bg1">
-                  <a:lumMod val="50000"/>
-                </a:schemeClr>
-              </a:solidFill>
-            </a:endParaRPr>
-          </a:p>
-        </p:txBody>
-      </p:sp>
-      <p:sp>
-        <p:nvSpPr>
-          <p:cNvPr id="26" name="Rounded Rectangle 36">
-            <a:extLst>
-              <a:ext uri="{FF2B5EF4-FFF2-40B4-BE49-F238E27FC236}">
-                <a16:creationId xmlns:a16="http://schemas.microsoft.com/office/drawing/2014/main" id="{623BF8FB-B442-4FA0-828C-B0A1B7FB5FB5}"/>
-              </a:ext>
-              <a:ext uri="{C183D7F6-B498-43B3-948B-1728B52AA6E4}">
-                <adec:decorative xmlns:adec="http://schemas.microsoft.com/office/drawing/2017/decorative" val="1"/>
-              </a:ext>
-            </a:extLst>
-          </p:cNvPr>
-          <p:cNvSpPr>
-            <a:spLocks noGrp="1" noRot="1" noChangeAspect="1" noMove="1" noResize="1" noEditPoints="1" noAdjustHandles="1" noChangeArrowheads="1" noChangeShapeType="1" noTextEdit="1"/>
-          </p:cNvSpPr>
-          <p:nvPr>
-            <p:extLst>
-              <p:ext uri="{386F3935-93C4-4BCD-93E2-E3B085C9AB24}">
-                <p16:designElem xmlns:p16="http://schemas.microsoft.com/office/powerpoint/2015/main" val="1"/>
-              </p:ext>
-            </p:extLst>
-          </p:nvPr>
-        </p:nvSpPr>
-        <p:spPr>
-          <a:xfrm>
-            <a:off x="3594834" y="1403597"/>
-            <a:ext cx="2407450" cy="2631486"/>
-          </a:xfrm>
-          <a:prstGeom prst="roundRect">
-            <a:avLst>
-              <a:gd name="adj" fmla="val 5241"/>
-            </a:avLst>
-          </a:prstGeom>
-          <a:solidFill>
-            <a:srgbClr val="FFFFFF"/>
-          </a:solidFill>
-          <a:ln w="82550" cap="sq">
-            <a:solidFill>
-              <a:srgbClr val="EAEAEA"/>
-            </a:solidFill>
-            <a:miter lim="800000"/>
-          </a:ln>
-          <a:effectLst/>
-          <a:scene3d>
-            <a:camera prst="orthographicFront"/>
-            <a:lightRig rig="threePt" dir="t">
-              <a:rot lat="0" lon="0" rev="2700000"/>
-            </a:lightRig>
-          </a:scene3d>
-          <a:sp3d contourW="6350">
-            <a:bevelT h="38100"/>
-            <a:contourClr>
-              <a:srgbClr val="C0C0C0"/>
-            </a:contourClr>
-          </a:sp3d>
-        </p:spPr>
-        <p:txBody>
-          <a:bodyPr vert="horz" lIns="91440" tIns="45720" rIns="91440" bIns="45720" rtlCol="0" anchor="t">
-            <a:normAutofit/>
-          </a:bodyPr>
-          <a:lstStyle/>
-          <a:p>
-            <a:pPr algn="ctr">
-              <a:lnSpc>
-                <a:spcPct val="120000"/>
-              </a:lnSpc>
-              <a:spcBef>
-                <a:spcPts val="1000"/>
-              </a:spcBef>
-              <a:buClr>
-                <a:schemeClr val="tx1"/>
-              </a:buClr>
-            </a:pPr>
-            <a:endParaRPr lang="en-US" sz="3200" cap="all">
-              <a:solidFill>
-                <a:schemeClr val="bg1">
-                  <a:lumMod val="50000"/>
-                </a:schemeClr>
-              </a:solidFill>
-            </a:endParaRPr>
-          </a:p>
-        </p:txBody>
-      </p:sp>
-      <p:sp>
-        <p:nvSpPr>
-          <p:cNvPr id="28" name="Rounded Rectangle 38">
-            <a:extLst>
-              <a:ext uri="{FF2B5EF4-FFF2-40B4-BE49-F238E27FC236}">
-                <a16:creationId xmlns:a16="http://schemas.microsoft.com/office/drawing/2014/main" id="{7218CBDC-EFDF-415D-B1FE-6F87788AAB99}"/>
-              </a:ext>
-              <a:ext uri="{C183D7F6-B498-43B3-948B-1728B52AA6E4}">
-                <adec:decorative xmlns:adec="http://schemas.microsoft.com/office/drawing/2017/decorative" val="1"/>
-              </a:ext>
-            </a:extLst>
-          </p:cNvPr>
-          <p:cNvSpPr>
-            <a:spLocks noGrp="1" noRot="1" noChangeAspect="1" noMove="1" noResize="1" noEditPoints="1" noAdjustHandles="1" noChangeArrowheads="1" noChangeShapeType="1" noTextEdit="1"/>
-          </p:cNvSpPr>
-          <p:nvPr>
-            <p:extLst>
-              <p:ext uri="{386F3935-93C4-4BCD-93E2-E3B085C9AB24}">
-                <p16:designElem xmlns:p16="http://schemas.microsoft.com/office/powerpoint/2015/main" val="1"/>
-              </p:ext>
-            </p:extLst>
-          </p:nvPr>
-        </p:nvSpPr>
-        <p:spPr>
-          <a:xfrm>
-            <a:off x="6189714" y="1403597"/>
-            <a:ext cx="2407450" cy="2631486"/>
-          </a:xfrm>
-          <a:prstGeom prst="roundRect">
-            <a:avLst>
-              <a:gd name="adj" fmla="val 5241"/>
-            </a:avLst>
-          </a:prstGeom>
-          <a:solidFill>
-            <a:srgbClr val="FFFFFF"/>
-          </a:solidFill>
-          <a:ln w="82550" cap="sq">
-            <a:solidFill>
-              <a:srgbClr val="EAEAEA"/>
-            </a:solidFill>
-            <a:miter lim="800000"/>
-          </a:ln>
-          <a:effectLst/>
-          <a:scene3d>
-            <a:camera prst="orthographicFront"/>
-            <a:lightRig rig="threePt" dir="t">
-              <a:rot lat="0" lon="0" rev="2700000"/>
-            </a:lightRig>
-          </a:scene3d>
-          <a:sp3d contourW="6350">
-            <a:bevelT h="38100"/>
-            <a:contourClr>
-              <a:srgbClr val="C0C0C0"/>
-            </a:contourClr>
-          </a:sp3d>
-        </p:spPr>
-        <p:txBody>
-          <a:bodyPr vert="horz" lIns="91440" tIns="45720" rIns="91440" bIns="45720" rtlCol="0" anchor="t">
-            <a:normAutofit/>
-          </a:bodyPr>
-          <a:lstStyle/>
-          <a:p>
-            <a:pPr algn="ctr">
-              <a:lnSpc>
-                <a:spcPct val="120000"/>
-              </a:lnSpc>
-              <a:spcBef>
-                <a:spcPts val="1000"/>
-              </a:spcBef>
-              <a:buClr>
-                <a:schemeClr val="tx1"/>
-              </a:buClr>
-            </a:pPr>
-            <a:endParaRPr lang="en-US" sz="3200" cap="all">
-              <a:solidFill>
-                <a:schemeClr val="bg1">
-                  <a:lumMod val="50000"/>
-                </a:schemeClr>
-              </a:solidFill>
-            </a:endParaRPr>
-          </a:p>
-        </p:txBody>
-      </p:sp>
-      <p:pic>
-        <p:nvPicPr>
-          <p:cNvPr id="11" name="Picture 10" descr="A close up of a sign&#10;&#10;Description automatically generated">
-            <a:extLst>
-              <a:ext uri="{FF2B5EF4-FFF2-40B4-BE49-F238E27FC236}">
-                <a16:creationId xmlns:a16="http://schemas.microsoft.com/office/drawing/2014/main" id="{3A3BFADD-A0B3-4236-BB68-669D6A0C9554}"/>
-              </a:ext>
-            </a:extLst>
-          </p:cNvPr>
-          <p:cNvPicPr>
-            <a:picLocks noChangeAspect="1"/>
-          </p:cNvPicPr>
-          <p:nvPr/>
-        </p:nvPicPr>
-        <p:blipFill>
-          <a:blip r:embed="rId4"/>
-          <a:stretch>
-            <a:fillRect/>
-          </a:stretch>
-        </p:blipFill>
-        <p:spPr>
-          <a:xfrm>
-            <a:off x="6371871" y="1498889"/>
-            <a:ext cx="2043135" cy="2304288"/>
-          </a:xfrm>
-          <a:prstGeom prst="rect">
-            <a:avLst/>
-          </a:prstGeom>
-        </p:spPr>
-      </p:pic>
-      <p:pic>
-        <p:nvPicPr>
-          <p:cNvPr id="9" name="Picture 8">
-            <a:extLst>
-              <a:ext uri="{FF2B5EF4-FFF2-40B4-BE49-F238E27FC236}">
-                <a16:creationId xmlns:a16="http://schemas.microsoft.com/office/drawing/2014/main" id="{6C509E54-3BB5-4A5A-B469-D9FF78378522}"/>
-              </a:ext>
-            </a:extLst>
-          </p:cNvPr>
-          <p:cNvPicPr>
-            <a:picLocks noChangeAspect="1"/>
-          </p:cNvPicPr>
-          <p:nvPr/>
-        </p:nvPicPr>
-        <p:blipFill>
-          <a:blip r:embed="rId5"/>
-          <a:stretch>
-            <a:fillRect/>
-          </a:stretch>
-        </p:blipFill>
-        <p:spPr>
-          <a:xfrm>
-            <a:off x="1165835" y="1649833"/>
-            <a:ext cx="2075688" cy="2075688"/>
-          </a:xfrm>
-          <a:prstGeom prst="rect">
-            <a:avLst/>
-          </a:prstGeom>
-        </p:spPr>
-      </p:pic>
-      <p:sp>
-        <p:nvSpPr>
-          <p:cNvPr id="30" name="Rounded Rectangle 40">
-            <a:extLst>
-              <a:ext uri="{FF2B5EF4-FFF2-40B4-BE49-F238E27FC236}">
-                <a16:creationId xmlns:a16="http://schemas.microsoft.com/office/drawing/2014/main" id="{23E32CD6-2197-4038-B39F-11F95DCC2733}"/>
-              </a:ext>
-              <a:ext uri="{C183D7F6-B498-43B3-948B-1728B52AA6E4}">
-                <adec:decorative xmlns:adec="http://schemas.microsoft.com/office/drawing/2017/decorative" val="1"/>
-              </a:ext>
-            </a:extLst>
-          </p:cNvPr>
-          <p:cNvSpPr>
-            <a:spLocks noGrp="1" noRot="1" noChangeAspect="1" noMove="1" noResize="1" noEditPoints="1" noAdjustHandles="1" noChangeArrowheads="1" noChangeShapeType="1" noTextEdit="1"/>
-          </p:cNvSpPr>
-          <p:nvPr>
-            <p:extLst>
-              <p:ext uri="{386F3935-93C4-4BCD-93E2-E3B085C9AB24}">
-                <p16:designElem xmlns:p16="http://schemas.microsoft.com/office/powerpoint/2015/main" val="1"/>
-              </p:ext>
-            </p:extLst>
-          </p:nvPr>
-        </p:nvSpPr>
-        <p:spPr>
-          <a:xfrm>
-            <a:off x="8784593" y="1403597"/>
-            <a:ext cx="2407450" cy="2631486"/>
-          </a:xfrm>
-          <a:prstGeom prst="roundRect">
-            <a:avLst>
-              <a:gd name="adj" fmla="val 5241"/>
-            </a:avLst>
-          </a:prstGeom>
-          <a:solidFill>
-            <a:srgbClr val="FFFFFF"/>
-          </a:solidFill>
-          <a:ln w="82550" cap="sq">
-            <a:solidFill>
-              <a:srgbClr val="EAEAEA"/>
-            </a:solidFill>
-            <a:miter lim="800000"/>
-          </a:ln>
-          <a:effectLst/>
-          <a:scene3d>
-            <a:camera prst="orthographicFront"/>
-            <a:lightRig rig="threePt" dir="t">
-              <a:rot lat="0" lon="0" rev="2700000"/>
-            </a:lightRig>
-          </a:scene3d>
-          <a:sp3d contourW="6350">
-            <a:bevelT h="38100"/>
-            <a:contourClr>
-              <a:srgbClr val="C0C0C0"/>
-            </a:contourClr>
-          </a:sp3d>
-        </p:spPr>
-        <p:txBody>
-          <a:bodyPr vert="horz" lIns="91440" tIns="45720" rIns="91440" bIns="45720" rtlCol="0" anchor="t">
-            <a:normAutofit/>
-          </a:bodyPr>
-          <a:lstStyle/>
-          <a:p>
-            <a:pPr algn="ctr">
-              <a:lnSpc>
-                <a:spcPct val="120000"/>
-              </a:lnSpc>
-              <a:spcBef>
-                <a:spcPts val="1000"/>
-              </a:spcBef>
-              <a:buClr>
-                <a:schemeClr val="tx1"/>
-              </a:buClr>
-            </a:pPr>
-            <a:endParaRPr lang="en-US" sz="3200" cap="all">
-              <a:solidFill>
-                <a:schemeClr val="bg1">
-                  <a:lumMod val="50000"/>
-                </a:schemeClr>
-              </a:solidFill>
-            </a:endParaRPr>
-          </a:p>
-        </p:txBody>
-      </p:sp>
-      <p:pic>
-        <p:nvPicPr>
-          <p:cNvPr id="7" name="Picture 6">
-            <a:extLst>
-              <a:ext uri="{FF2B5EF4-FFF2-40B4-BE49-F238E27FC236}">
-                <a16:creationId xmlns:a16="http://schemas.microsoft.com/office/drawing/2014/main" id="{86450F73-4DBD-4DD9-9C33-D0B5F6BFB2B7}"/>
-              </a:ext>
-            </a:extLst>
-          </p:cNvPr>
-          <p:cNvPicPr>
-            <a:picLocks noChangeAspect="1"/>
-          </p:cNvPicPr>
-          <p:nvPr/>
-        </p:nvPicPr>
-        <p:blipFill>
-          <a:blip r:embed="rId6"/>
-          <a:stretch>
-            <a:fillRect/>
-          </a:stretch>
-        </p:blipFill>
-        <p:spPr>
-          <a:xfrm>
-            <a:off x="3760715" y="1649833"/>
-            <a:ext cx="2075688" cy="2075688"/>
-          </a:xfrm>
-          <a:prstGeom prst="rect">
-            <a:avLst/>
-          </a:prstGeom>
-        </p:spPr>
-      </p:pic>
-      <p:pic>
-        <p:nvPicPr>
-          <p:cNvPr id="32" name="Picture 31">
-            <a:extLst>
-              <a:ext uri="{FF2B5EF4-FFF2-40B4-BE49-F238E27FC236}">
-                <a16:creationId xmlns:a16="http://schemas.microsoft.com/office/drawing/2014/main" id="{BFE30856-FC74-4D2D-9BC5-EDE21B0F3DB8}"/>
-              </a:ext>
-              <a:ext uri="{C183D7F6-B498-43B3-948B-1728B52AA6E4}">
-                <adec:decorative xmlns:adec="http://schemas.microsoft.com/office/drawing/2017/decorative" val="1"/>
-              </a:ext>
-            </a:extLst>
-          </p:cNvPr>
-          <p:cNvPicPr>
-            <a:picLocks noGrp="1" noRot="1" noChangeAspect="1" noMove="1" noResize="1" noEditPoints="1" noAdjustHandles="1" noChangeArrowheads="1" noChangeShapeType="1" noCrop="1"/>
-          </p:cNvPicPr>
-          <p:nvPr>
-            <p:extLst>
-              <p:ext uri="{386F3935-93C4-4BCD-93E2-E3B085C9AB24}">
-                <p16:designElem xmlns:p16="http://schemas.microsoft.com/office/powerpoint/2015/main" val="1"/>
-              </p:ext>
-            </p:extLst>
-          </p:nvPr>
-        </p:nvPicPr>
-        <p:blipFill>
-          <a:blip r:embed="rId3">
-            <a:extLst>
-              <a:ext uri="{28A0092B-C50C-407E-A947-70E740481C1C}">
-                <a14:useLocalDpi xmlns:a14="http://schemas.microsoft.com/office/drawing/2010/main" val="0"/>
-              </a:ext>
-            </a:extLst>
-          </a:blip>
-          <a:stretch>
-            <a:fillRect/>
-          </a:stretch>
-        </p:blipFill>
-        <p:spPr>
-          <a:xfrm>
-            <a:off x="-290" y="-1"/>
-            <a:ext cx="12192000" cy="6858000"/>
-          </a:xfrm>
-          <a:prstGeom prst="rect">
-            <a:avLst/>
-          </a:prstGeom>
-        </p:spPr>
-      </p:pic>
-      <p:pic>
-        <p:nvPicPr>
-          <p:cNvPr id="5" name="Content Placeholder 4">
-            <a:extLst>
-              <a:ext uri="{FF2B5EF4-FFF2-40B4-BE49-F238E27FC236}">
-                <a16:creationId xmlns:a16="http://schemas.microsoft.com/office/drawing/2014/main" id="{832956F0-247C-4E88-B1AF-1524408867B0}"/>
-              </a:ext>
-            </a:extLst>
-          </p:cNvPr>
-          <p:cNvPicPr>
-            <a:picLocks noGrp="1" noChangeAspect="1"/>
-          </p:cNvPicPr>
-          <p:nvPr>
-            <p:ph sz="quarter" idx="13"/>
-          </p:nvPr>
-        </p:nvPicPr>
-        <p:blipFill>
-          <a:blip r:embed="rId7"/>
-          <a:stretch>
-            <a:fillRect/>
-          </a:stretch>
-        </p:blipFill>
-        <p:spPr>
-          <a:xfrm>
-            <a:off x="9082597" y="1580522"/>
-            <a:ext cx="2075688" cy="2075688"/>
-          </a:xfrm>
-          <a:prstGeom prst="rect">
-            <a:avLst/>
-          </a:prstGeom>
-        </p:spPr>
-      </p:pic>
-      <p:sp>
-        <p:nvSpPr>
-          <p:cNvPr id="2" name="Title 1">
-            <a:extLst>
-              <a:ext uri="{FF2B5EF4-FFF2-40B4-BE49-F238E27FC236}">
-                <a16:creationId xmlns:a16="http://schemas.microsoft.com/office/drawing/2014/main" id="{6284CF37-412A-4B8F-B7F3-342BC5A07A2B}"/>
-              </a:ext>
-            </a:extLst>
-          </p:cNvPr>
-          <p:cNvSpPr>
-            <a:spLocks noGrp="1"/>
-          </p:cNvSpPr>
-          <p:nvPr>
-            <p:ph type="title"/>
-          </p:nvPr>
-        </p:nvSpPr>
-        <p:spPr>
-          <a:xfrm>
-            <a:off x="635211" y="4181277"/>
-            <a:ext cx="10916365" cy="1220158"/>
-          </a:xfrm>
-        </p:spPr>
-        <p:txBody>
-          <a:bodyPr vert="horz" lIns="91440" tIns="45720" rIns="91440" bIns="45720" rtlCol="0" anchor="b">
-            <a:normAutofit/>
-          </a:bodyPr>
-          <a:lstStyle/>
-          <a:p>
-            <a:r>
-              <a:rPr lang="en-US" sz="4800"/>
-              <a:t>javascript</a:t>
-            </a:r>
-          </a:p>
-        </p:txBody>
-      </p:sp>
-    </p:spTree>
-    <p:extLst>
-      <p:ext uri="{BB962C8B-B14F-4D97-AF65-F5344CB8AC3E}">
-        <p14:creationId xmlns:p14="http://schemas.microsoft.com/office/powerpoint/2010/main" val="122479353"/>
-      </p:ext>
-    </p:extLst>
-  </p:cSld>
-  <p:clrMapOvr>
-    <a:masterClrMapping/>
-  </p:clrMapOvr>
-  <p:timing>
-    <p:tnLst>
-      <p:par>
-        <p:cTn id="1" dur="indefinite" restart="never" nodeType="tmRoot">
-          <p:childTnLst>
-            <p:seq concurrent="1" nextAc="seek">
-              <p:cTn id="2" dur="indefinite" nodeType="mainSeq">
-                <p:childTnLst>
-                  <p:par>
-                    <p:cTn id="3" fill="hold">
-                      <p:stCondLst>
-                        <p:cond delay="indefinite"/>
-                      </p:stCondLst>
-                      <p:childTnLst>
-                        <p:par>
-                          <p:cTn id="4" fill="hold">
-                            <p:stCondLst>
-                              <p:cond delay="0"/>
-                            </p:stCondLst>
-                            <p:childTnLst>
-                              <p:par>
-                                <p:cTn id="5" presetID="1" presetClass="entr" presetSubtype="0" fill="hold" nodeType="clickEffect">
-                                  <p:stCondLst>
-                                    <p:cond delay="0"/>
-                                  </p:stCondLst>
-                                  <p:childTnLst>
-                                    <p:set>
-                                      <p:cBhvr>
-                                        <p:cTn id="6" dur="1" fill="hold">
-                                          <p:stCondLst>
-                                            <p:cond delay="0"/>
-                                          </p:stCondLst>
-                                        </p:cTn>
-                                        <p:tgtEl>
-                                          <p:spTgt spid="11"/>
-                                        </p:tgtEl>
-                                        <p:attrNameLst>
-                                          <p:attrName>style.visibility</p:attrName>
-                                        </p:attrNameLst>
-                                      </p:cBhvr>
-                                      <p:to>
-                                        <p:strVal val="visible"/>
-                                      </p:to>
-                                    </p:set>
-                                  </p:childTnLst>
-                                </p:cTn>
-                              </p:par>
-                            </p:childTnLst>
-                          </p:cTn>
-                        </p:par>
-                      </p:childTnLst>
-                    </p:cTn>
-                  </p:par>
-                  <p:par>
-                    <p:cTn id="7" fill="hold">
-                      <p:stCondLst>
-                        <p:cond delay="indefinite"/>
-                      </p:stCondLst>
-                      <p:childTnLst>
-                        <p:par>
-                          <p:cTn id="8" fill="hold">
-                            <p:stCondLst>
-                              <p:cond delay="0"/>
-                            </p:stCondLst>
-                            <p:childTnLst>
-                              <p:par>
-                                <p:cTn id="9" presetID="1" presetClass="entr" presetSubtype="0" fill="hold" nodeType="clickEffect">
-                                  <p:stCondLst>
-                                    <p:cond delay="0"/>
-                                  </p:stCondLst>
-                                  <p:childTnLst>
-                                    <p:set>
-                                      <p:cBhvr>
-                                        <p:cTn id="10" dur="1" fill="hold">
-                                          <p:stCondLst>
-                                            <p:cond delay="0"/>
-                                          </p:stCondLst>
-                                        </p:cTn>
-                                        <p:tgtEl>
-                                          <p:spTgt spid="5"/>
-                                        </p:tgtEl>
-                                        <p:attrNameLst>
-                                          <p:attrName>style.visibility</p:attrName>
-                                        </p:attrNameLst>
-                                      </p:cBhvr>
-                                      <p:to>
-                                        <p:strVal val="visible"/>
-                                      </p:to>
-                                    </p:set>
-                                  </p:childTnLst>
-                                </p:cTn>
-                              </p:par>
-                            </p:childTnLst>
-                          </p:cTn>
-                        </p:par>
-                      </p:childTnLst>
-                    </p:cTn>
-                  </p:par>
-                </p:childTnLst>
-              </p:cTn>
-              <p:prevCondLst>
-                <p:cond evt="onPrev" delay="0">
-                  <p:tgtEl>
-                    <p:sldTgt/>
-                  </p:tgtEl>
-                </p:cond>
-              </p:prevCondLst>
-              <p:nextCondLst>
-                <p:cond evt="onNext" delay="0">
-                  <p:tgtEl>
-                    <p:sldTgt/>
-                  </p:tgtEl>
-                </p:cond>
-              </p:nextCondLst>
-            </p:seq>
-          </p:childTnLst>
-        </p:cTn>
-      </p:par>
-    </p:tnLst>
-  </p:timing>
 </p:sld>
 </file>
 
